--- a/folien/Semester_03_Termin_06_Kapitel05.pptx
+++ b/folien/Semester_03_Termin_06_Kapitel05.pptx
@@ -208,6 +208,36 @@
       </a:defRPr>
     </a:lvl9pPr>
   </p:defaultTextStyle>
+  <p:extLst>
+    <p:ext uri="{EFAFB233-063F-42B5-8137-9DF3F51BA10A}">
+      <p15:sldGuideLst xmlns:p15="http://schemas.microsoft.com/office/powerpoint/2012/main">
+        <p15:guide id="1" orient="horz" pos="2160">
+          <p15:clr>
+            <a:srgbClr val="A4A3A4"/>
+          </p15:clr>
+        </p15:guide>
+        <p15:guide id="2" pos="2880">
+          <p15:clr>
+            <a:srgbClr val="A4A3A4"/>
+          </p15:clr>
+        </p15:guide>
+      </p15:sldGuideLst>
+    </p:ext>
+    <p:ext uri="{2D200454-40CA-4A62-9FC3-DE9A4176ACB9}">
+      <p15:notesGuideLst xmlns:p15="http://schemas.microsoft.com/office/powerpoint/2012/main">
+        <p15:guide id="1" orient="horz" pos="2880">
+          <p15:clr>
+            <a:srgbClr val="A4A3A4"/>
+          </p15:clr>
+        </p15:guide>
+        <p15:guide id="2" pos="2160">
+          <p15:clr>
+            <a:srgbClr val="A4A3A4"/>
+          </p15:clr>
+        </p15:guide>
+      </p15:notesGuideLst>
+    </p:ext>
+  </p:extLst>
 </p:presentation>
 </file>
 
@@ -240,7 +270,7 @@
         <p:nvSpPr>
           <p:cNvPr id="2049" name="Rectangle 1"/>
           <p:cNvSpPr>
-            <a:spLocks noGrp="1" noChangeArrowheads="1"/>
+            <a:spLocks noGrp="1" noRot="1" noChangeAspect="1" noChangeArrowheads="1"/>
           </p:cNvSpPr>
           <p:nvPr>
             <p:ph type="sldImg"/>
@@ -538,6 +568,11 @@
         </p:txBody>
       </p:sp>
     </p:spTree>
+    <p:extLst>
+      <p:ext uri="{BB962C8B-B14F-4D97-AF65-F5344CB8AC3E}">
+        <p14:creationId xmlns:p14="http://schemas.microsoft.com/office/powerpoint/2010/main" val="4115455268"/>
+      </p:ext>
+    </p:extLst>
   </p:cSld>
   <p:clrMap bg1="lt1" tx1="dk1" bg2="lt2" tx2="dk2" accent1="accent1" accent2="accent2" accent3="accent3" accent4="accent4" accent5="accent5" accent6="accent6" hlink="hlink" folHlink="folHlink"/>
   <p:notesStyle>
@@ -745,7 +780,7 @@
         <p:nvSpPr>
           <p:cNvPr id="35841" name="Rectangle 1"/>
           <p:cNvSpPr txBox="1">
-            <a:spLocks noChangeArrowheads="1"/>
+            <a:spLocks noGrp="1" noRot="1" noChangeAspect="1" noChangeArrowheads="1"/>
           </p:cNvSpPr>
           <p:nvPr>
             <p:ph type="sldImg"/>
@@ -776,7 +811,7 @@
         <p:nvSpPr>
           <p:cNvPr id="35842" name="Rectangle 2"/>
           <p:cNvSpPr txBox="1">
-            <a:spLocks noChangeArrowheads="1"/>
+            <a:spLocks noGrp="1" noChangeArrowheads="1"/>
           </p:cNvSpPr>
           <p:nvPr>
             <p:ph type="body" idx="1"/>
@@ -806,6 +841,11 @@
         </p:txBody>
       </p:sp>
     </p:spTree>
+    <p:extLst>
+      <p:ext uri="{BB962C8B-B14F-4D97-AF65-F5344CB8AC3E}">
+        <p14:creationId xmlns:p14="http://schemas.microsoft.com/office/powerpoint/2010/main" val="112297031"/>
+      </p:ext>
+    </p:extLst>
   </p:cSld>
   <p:clrMapOvr>
     <a:masterClrMapping/>
@@ -868,7 +908,7 @@
         <p:nvSpPr>
           <p:cNvPr id="45057" name="Rectangle 1"/>
           <p:cNvSpPr txBox="1">
-            <a:spLocks noChangeArrowheads="1"/>
+            <a:spLocks noGrp="1" noRot="1" noChangeAspect="1" noChangeArrowheads="1"/>
           </p:cNvSpPr>
           <p:nvPr>
             <p:ph type="sldImg"/>
@@ -899,7 +939,7 @@
         <p:nvSpPr>
           <p:cNvPr id="45058" name="Rectangle 2"/>
           <p:cNvSpPr txBox="1">
-            <a:spLocks noChangeArrowheads="1"/>
+            <a:spLocks noGrp="1" noChangeArrowheads="1"/>
           </p:cNvSpPr>
           <p:nvPr>
             <p:ph type="body" idx="1"/>
@@ -929,6 +969,11 @@
         </p:txBody>
       </p:sp>
     </p:spTree>
+    <p:extLst>
+      <p:ext uri="{BB962C8B-B14F-4D97-AF65-F5344CB8AC3E}">
+        <p14:creationId xmlns:p14="http://schemas.microsoft.com/office/powerpoint/2010/main" val="3687611197"/>
+      </p:ext>
+    </p:extLst>
   </p:cSld>
   <p:clrMapOvr>
     <a:masterClrMapping/>
@@ -991,7 +1036,7 @@
         <p:nvSpPr>
           <p:cNvPr id="46081" name="Rectangle 1"/>
           <p:cNvSpPr txBox="1">
-            <a:spLocks noChangeArrowheads="1"/>
+            <a:spLocks noGrp="1" noRot="1" noChangeAspect="1" noChangeArrowheads="1"/>
           </p:cNvSpPr>
           <p:nvPr>
             <p:ph type="sldImg"/>
@@ -1022,7 +1067,7 @@
         <p:nvSpPr>
           <p:cNvPr id="46082" name="Rectangle 2"/>
           <p:cNvSpPr txBox="1">
-            <a:spLocks noChangeArrowheads="1"/>
+            <a:spLocks noGrp="1" noChangeArrowheads="1"/>
           </p:cNvSpPr>
           <p:nvPr>
             <p:ph type="body" idx="1"/>
@@ -1052,6 +1097,11 @@
         </p:txBody>
       </p:sp>
     </p:spTree>
+    <p:extLst>
+      <p:ext uri="{BB962C8B-B14F-4D97-AF65-F5344CB8AC3E}">
+        <p14:creationId xmlns:p14="http://schemas.microsoft.com/office/powerpoint/2010/main" val="1880936286"/>
+      </p:ext>
+    </p:extLst>
   </p:cSld>
   <p:clrMapOvr>
     <a:masterClrMapping/>
@@ -1114,7 +1164,7 @@
         <p:nvSpPr>
           <p:cNvPr id="47105" name="Rectangle 1"/>
           <p:cNvSpPr txBox="1">
-            <a:spLocks noChangeArrowheads="1"/>
+            <a:spLocks noGrp="1" noRot="1" noChangeAspect="1" noChangeArrowheads="1"/>
           </p:cNvSpPr>
           <p:nvPr>
             <p:ph type="sldImg"/>
@@ -1145,7 +1195,7 @@
         <p:nvSpPr>
           <p:cNvPr id="47106" name="Rectangle 2"/>
           <p:cNvSpPr txBox="1">
-            <a:spLocks noChangeArrowheads="1"/>
+            <a:spLocks noGrp="1" noChangeArrowheads="1"/>
           </p:cNvSpPr>
           <p:nvPr>
             <p:ph type="body" idx="1"/>
@@ -1175,6 +1225,11 @@
         </p:txBody>
       </p:sp>
     </p:spTree>
+    <p:extLst>
+      <p:ext uri="{BB962C8B-B14F-4D97-AF65-F5344CB8AC3E}">
+        <p14:creationId xmlns:p14="http://schemas.microsoft.com/office/powerpoint/2010/main" val="1130931953"/>
+      </p:ext>
+    </p:extLst>
   </p:cSld>
   <p:clrMapOvr>
     <a:masterClrMapping/>
@@ -1237,7 +1292,7 @@
         <p:nvSpPr>
           <p:cNvPr id="48129" name="Rectangle 1"/>
           <p:cNvSpPr txBox="1">
-            <a:spLocks noChangeArrowheads="1"/>
+            <a:spLocks noGrp="1" noRot="1" noChangeAspect="1" noChangeArrowheads="1"/>
           </p:cNvSpPr>
           <p:nvPr>
             <p:ph type="sldImg"/>
@@ -1268,7 +1323,7 @@
         <p:nvSpPr>
           <p:cNvPr id="48130" name="Rectangle 2"/>
           <p:cNvSpPr txBox="1">
-            <a:spLocks noChangeArrowheads="1"/>
+            <a:spLocks noGrp="1" noChangeArrowheads="1"/>
           </p:cNvSpPr>
           <p:nvPr>
             <p:ph type="body" idx="1"/>
@@ -1298,6 +1353,11 @@
         </p:txBody>
       </p:sp>
     </p:spTree>
+    <p:extLst>
+      <p:ext uri="{BB962C8B-B14F-4D97-AF65-F5344CB8AC3E}">
+        <p14:creationId xmlns:p14="http://schemas.microsoft.com/office/powerpoint/2010/main" val="169537956"/>
+      </p:ext>
+    </p:extLst>
   </p:cSld>
   <p:clrMapOvr>
     <a:masterClrMapping/>
@@ -1360,7 +1420,7 @@
         <p:nvSpPr>
           <p:cNvPr id="49153" name="Rectangle 1"/>
           <p:cNvSpPr txBox="1">
-            <a:spLocks noChangeArrowheads="1"/>
+            <a:spLocks noGrp="1" noRot="1" noChangeAspect="1" noChangeArrowheads="1"/>
           </p:cNvSpPr>
           <p:nvPr>
             <p:ph type="sldImg"/>
@@ -1391,7 +1451,7 @@
         <p:nvSpPr>
           <p:cNvPr id="49154" name="Rectangle 2"/>
           <p:cNvSpPr txBox="1">
-            <a:spLocks noChangeArrowheads="1"/>
+            <a:spLocks noGrp="1" noChangeArrowheads="1"/>
           </p:cNvSpPr>
           <p:nvPr>
             <p:ph type="body" idx="1"/>
@@ -1421,6 +1481,11 @@
         </p:txBody>
       </p:sp>
     </p:spTree>
+    <p:extLst>
+      <p:ext uri="{BB962C8B-B14F-4D97-AF65-F5344CB8AC3E}">
+        <p14:creationId xmlns:p14="http://schemas.microsoft.com/office/powerpoint/2010/main" val="2956828432"/>
+      </p:ext>
+    </p:extLst>
   </p:cSld>
   <p:clrMapOvr>
     <a:masterClrMapping/>
@@ -1483,7 +1548,7 @@
         <p:nvSpPr>
           <p:cNvPr id="50177" name="Rectangle 1"/>
           <p:cNvSpPr txBox="1">
-            <a:spLocks noChangeArrowheads="1"/>
+            <a:spLocks noGrp="1" noRot="1" noChangeAspect="1" noChangeArrowheads="1"/>
           </p:cNvSpPr>
           <p:nvPr>
             <p:ph type="sldImg"/>
@@ -1514,7 +1579,7 @@
         <p:nvSpPr>
           <p:cNvPr id="50178" name="Rectangle 2"/>
           <p:cNvSpPr txBox="1">
-            <a:spLocks noChangeArrowheads="1"/>
+            <a:spLocks noGrp="1" noChangeArrowheads="1"/>
           </p:cNvSpPr>
           <p:nvPr>
             <p:ph type="body" idx="1"/>
@@ -1544,6 +1609,11 @@
         </p:txBody>
       </p:sp>
     </p:spTree>
+    <p:extLst>
+      <p:ext uri="{BB962C8B-B14F-4D97-AF65-F5344CB8AC3E}">
+        <p14:creationId xmlns:p14="http://schemas.microsoft.com/office/powerpoint/2010/main" val="1463137313"/>
+      </p:ext>
+    </p:extLst>
   </p:cSld>
   <p:clrMapOvr>
     <a:masterClrMapping/>
@@ -1606,7 +1676,7 @@
         <p:nvSpPr>
           <p:cNvPr id="51201" name="Rectangle 1"/>
           <p:cNvSpPr txBox="1">
-            <a:spLocks noChangeArrowheads="1"/>
+            <a:spLocks noGrp="1" noRot="1" noChangeAspect="1" noChangeArrowheads="1"/>
           </p:cNvSpPr>
           <p:nvPr>
             <p:ph type="sldImg"/>
@@ -1637,7 +1707,7 @@
         <p:nvSpPr>
           <p:cNvPr id="51202" name="Rectangle 2"/>
           <p:cNvSpPr txBox="1">
-            <a:spLocks noChangeArrowheads="1"/>
+            <a:spLocks noGrp="1" noChangeArrowheads="1"/>
           </p:cNvSpPr>
           <p:nvPr>
             <p:ph type="body" idx="1"/>
@@ -1667,6 +1737,11 @@
         </p:txBody>
       </p:sp>
     </p:spTree>
+    <p:extLst>
+      <p:ext uri="{BB962C8B-B14F-4D97-AF65-F5344CB8AC3E}">
+        <p14:creationId xmlns:p14="http://schemas.microsoft.com/office/powerpoint/2010/main" val="4234082497"/>
+      </p:ext>
+    </p:extLst>
   </p:cSld>
   <p:clrMapOvr>
     <a:masterClrMapping/>
@@ -1729,7 +1804,7 @@
         <p:nvSpPr>
           <p:cNvPr id="52225" name="Rectangle 1"/>
           <p:cNvSpPr txBox="1">
-            <a:spLocks noChangeArrowheads="1"/>
+            <a:spLocks noGrp="1" noRot="1" noChangeAspect="1" noChangeArrowheads="1"/>
           </p:cNvSpPr>
           <p:nvPr>
             <p:ph type="sldImg"/>
@@ -1760,7 +1835,7 @@
         <p:nvSpPr>
           <p:cNvPr id="52226" name="Rectangle 2"/>
           <p:cNvSpPr txBox="1">
-            <a:spLocks noChangeArrowheads="1"/>
+            <a:spLocks noGrp="1" noChangeArrowheads="1"/>
           </p:cNvSpPr>
           <p:nvPr>
             <p:ph type="body" idx="1"/>
@@ -1790,6 +1865,11 @@
         </p:txBody>
       </p:sp>
     </p:spTree>
+    <p:extLst>
+      <p:ext uri="{BB962C8B-B14F-4D97-AF65-F5344CB8AC3E}">
+        <p14:creationId xmlns:p14="http://schemas.microsoft.com/office/powerpoint/2010/main" val="4141838931"/>
+      </p:ext>
+    </p:extLst>
   </p:cSld>
   <p:clrMapOvr>
     <a:masterClrMapping/>
@@ -1852,7 +1932,7 @@
         <p:nvSpPr>
           <p:cNvPr id="53249" name="Rectangle 1"/>
           <p:cNvSpPr txBox="1">
-            <a:spLocks noChangeArrowheads="1"/>
+            <a:spLocks noGrp="1" noRot="1" noChangeAspect="1" noChangeArrowheads="1"/>
           </p:cNvSpPr>
           <p:nvPr>
             <p:ph type="sldImg"/>
@@ -1883,7 +1963,7 @@
         <p:nvSpPr>
           <p:cNvPr id="53250" name="Rectangle 2"/>
           <p:cNvSpPr txBox="1">
-            <a:spLocks noChangeArrowheads="1"/>
+            <a:spLocks noGrp="1" noChangeArrowheads="1"/>
           </p:cNvSpPr>
           <p:nvPr>
             <p:ph type="body" idx="1"/>
@@ -1913,6 +1993,11 @@
         </p:txBody>
       </p:sp>
     </p:spTree>
+    <p:extLst>
+      <p:ext uri="{BB962C8B-B14F-4D97-AF65-F5344CB8AC3E}">
+        <p14:creationId xmlns:p14="http://schemas.microsoft.com/office/powerpoint/2010/main" val="3735211822"/>
+      </p:ext>
+    </p:extLst>
   </p:cSld>
   <p:clrMapOvr>
     <a:masterClrMapping/>
@@ -1975,7 +2060,7 @@
         <p:nvSpPr>
           <p:cNvPr id="54273" name="Rectangle 1"/>
           <p:cNvSpPr txBox="1">
-            <a:spLocks noChangeArrowheads="1"/>
+            <a:spLocks noGrp="1" noRot="1" noChangeAspect="1" noChangeArrowheads="1"/>
           </p:cNvSpPr>
           <p:nvPr>
             <p:ph type="sldImg"/>
@@ -2006,7 +2091,7 @@
         <p:nvSpPr>
           <p:cNvPr id="54274" name="Rectangle 2"/>
           <p:cNvSpPr txBox="1">
-            <a:spLocks noChangeArrowheads="1"/>
+            <a:spLocks noGrp="1" noChangeArrowheads="1"/>
           </p:cNvSpPr>
           <p:nvPr>
             <p:ph type="body" idx="1"/>
@@ -2036,6 +2121,11 @@
         </p:txBody>
       </p:sp>
     </p:spTree>
+    <p:extLst>
+      <p:ext uri="{BB962C8B-B14F-4D97-AF65-F5344CB8AC3E}">
+        <p14:creationId xmlns:p14="http://schemas.microsoft.com/office/powerpoint/2010/main" val="2698012448"/>
+      </p:ext>
+    </p:extLst>
   </p:cSld>
   <p:clrMapOvr>
     <a:masterClrMapping/>
@@ -2098,7 +2188,7 @@
         <p:nvSpPr>
           <p:cNvPr id="36865" name="Rectangle 1"/>
           <p:cNvSpPr txBox="1">
-            <a:spLocks noChangeArrowheads="1"/>
+            <a:spLocks noGrp="1" noRot="1" noChangeAspect="1" noChangeArrowheads="1"/>
           </p:cNvSpPr>
           <p:nvPr>
             <p:ph type="sldImg"/>
@@ -2129,7 +2219,7 @@
         <p:nvSpPr>
           <p:cNvPr id="36866" name="Rectangle 2"/>
           <p:cNvSpPr txBox="1">
-            <a:spLocks noChangeArrowheads="1"/>
+            <a:spLocks noGrp="1" noChangeArrowheads="1"/>
           </p:cNvSpPr>
           <p:nvPr>
             <p:ph type="body" idx="1"/>
@@ -2159,6 +2249,11 @@
         </p:txBody>
       </p:sp>
     </p:spTree>
+    <p:extLst>
+      <p:ext uri="{BB962C8B-B14F-4D97-AF65-F5344CB8AC3E}">
+        <p14:creationId xmlns:p14="http://schemas.microsoft.com/office/powerpoint/2010/main" val="791306080"/>
+      </p:ext>
+    </p:extLst>
   </p:cSld>
   <p:clrMapOvr>
     <a:masterClrMapping/>
@@ -2221,7 +2316,7 @@
         <p:nvSpPr>
           <p:cNvPr id="55297" name="Rectangle 1"/>
           <p:cNvSpPr txBox="1">
-            <a:spLocks noChangeArrowheads="1"/>
+            <a:spLocks noGrp="1" noRot="1" noChangeAspect="1" noChangeArrowheads="1"/>
           </p:cNvSpPr>
           <p:nvPr>
             <p:ph type="sldImg"/>
@@ -2252,7 +2347,7 @@
         <p:nvSpPr>
           <p:cNvPr id="55298" name="Rectangle 2"/>
           <p:cNvSpPr txBox="1">
-            <a:spLocks noChangeArrowheads="1"/>
+            <a:spLocks noGrp="1" noChangeArrowheads="1"/>
           </p:cNvSpPr>
           <p:nvPr>
             <p:ph type="body" idx="1"/>
@@ -2282,6 +2377,11 @@
         </p:txBody>
       </p:sp>
     </p:spTree>
+    <p:extLst>
+      <p:ext uri="{BB962C8B-B14F-4D97-AF65-F5344CB8AC3E}">
+        <p14:creationId xmlns:p14="http://schemas.microsoft.com/office/powerpoint/2010/main" val="1809975200"/>
+      </p:ext>
+    </p:extLst>
   </p:cSld>
   <p:clrMapOvr>
     <a:masterClrMapping/>
@@ -2344,7 +2444,7 @@
         <p:nvSpPr>
           <p:cNvPr id="56321" name="Rectangle 1"/>
           <p:cNvSpPr txBox="1">
-            <a:spLocks noChangeArrowheads="1"/>
+            <a:spLocks noGrp="1" noRot="1" noChangeAspect="1" noChangeArrowheads="1"/>
           </p:cNvSpPr>
           <p:nvPr>
             <p:ph type="sldImg"/>
@@ -2375,7 +2475,7 @@
         <p:nvSpPr>
           <p:cNvPr id="56322" name="Rectangle 2"/>
           <p:cNvSpPr txBox="1">
-            <a:spLocks noChangeArrowheads="1"/>
+            <a:spLocks noGrp="1" noChangeArrowheads="1"/>
           </p:cNvSpPr>
           <p:nvPr>
             <p:ph type="body" idx="1"/>
@@ -2405,6 +2505,11 @@
         </p:txBody>
       </p:sp>
     </p:spTree>
+    <p:extLst>
+      <p:ext uri="{BB962C8B-B14F-4D97-AF65-F5344CB8AC3E}">
+        <p14:creationId xmlns:p14="http://schemas.microsoft.com/office/powerpoint/2010/main" val="665000912"/>
+      </p:ext>
+    </p:extLst>
   </p:cSld>
   <p:clrMapOvr>
     <a:masterClrMapping/>
@@ -2467,7 +2572,7 @@
         <p:nvSpPr>
           <p:cNvPr id="57345" name="Rectangle 1"/>
           <p:cNvSpPr txBox="1">
-            <a:spLocks noChangeArrowheads="1"/>
+            <a:spLocks noGrp="1" noRot="1" noChangeAspect="1" noChangeArrowheads="1"/>
           </p:cNvSpPr>
           <p:nvPr>
             <p:ph type="sldImg"/>
@@ -2498,7 +2603,7 @@
         <p:nvSpPr>
           <p:cNvPr id="57346" name="Rectangle 2"/>
           <p:cNvSpPr txBox="1">
-            <a:spLocks noChangeArrowheads="1"/>
+            <a:spLocks noGrp="1" noChangeArrowheads="1"/>
           </p:cNvSpPr>
           <p:nvPr>
             <p:ph type="body" idx="1"/>
@@ -2528,6 +2633,11 @@
         </p:txBody>
       </p:sp>
     </p:spTree>
+    <p:extLst>
+      <p:ext uri="{BB962C8B-B14F-4D97-AF65-F5344CB8AC3E}">
+        <p14:creationId xmlns:p14="http://schemas.microsoft.com/office/powerpoint/2010/main" val="3923825945"/>
+      </p:ext>
+    </p:extLst>
   </p:cSld>
   <p:clrMapOvr>
     <a:masterClrMapping/>
@@ -2590,7 +2700,7 @@
         <p:nvSpPr>
           <p:cNvPr id="58369" name="Rectangle 1"/>
           <p:cNvSpPr txBox="1">
-            <a:spLocks noChangeArrowheads="1"/>
+            <a:spLocks noGrp="1" noRot="1" noChangeAspect="1" noChangeArrowheads="1"/>
           </p:cNvSpPr>
           <p:nvPr>
             <p:ph type="sldImg"/>
@@ -2621,7 +2731,7 @@
         <p:nvSpPr>
           <p:cNvPr id="58370" name="Rectangle 2"/>
           <p:cNvSpPr txBox="1">
-            <a:spLocks noChangeArrowheads="1"/>
+            <a:spLocks noGrp="1" noChangeArrowheads="1"/>
           </p:cNvSpPr>
           <p:nvPr>
             <p:ph type="body" idx="1"/>
@@ -2651,6 +2761,11 @@
         </p:txBody>
       </p:sp>
     </p:spTree>
+    <p:extLst>
+      <p:ext uri="{BB962C8B-B14F-4D97-AF65-F5344CB8AC3E}">
+        <p14:creationId xmlns:p14="http://schemas.microsoft.com/office/powerpoint/2010/main" val="663689878"/>
+      </p:ext>
+    </p:extLst>
   </p:cSld>
   <p:clrMapOvr>
     <a:masterClrMapping/>
@@ -2713,7 +2828,7 @@
         <p:nvSpPr>
           <p:cNvPr id="59393" name="Rectangle 1"/>
           <p:cNvSpPr txBox="1">
-            <a:spLocks noChangeArrowheads="1"/>
+            <a:spLocks noGrp="1" noRot="1" noChangeAspect="1" noChangeArrowheads="1"/>
           </p:cNvSpPr>
           <p:nvPr>
             <p:ph type="sldImg"/>
@@ -2744,7 +2859,7 @@
         <p:nvSpPr>
           <p:cNvPr id="59394" name="Rectangle 2"/>
           <p:cNvSpPr txBox="1">
-            <a:spLocks noChangeArrowheads="1"/>
+            <a:spLocks noGrp="1" noChangeArrowheads="1"/>
           </p:cNvSpPr>
           <p:nvPr>
             <p:ph type="body" idx="1"/>
@@ -2774,6 +2889,11 @@
         </p:txBody>
       </p:sp>
     </p:spTree>
+    <p:extLst>
+      <p:ext uri="{BB962C8B-B14F-4D97-AF65-F5344CB8AC3E}">
+        <p14:creationId xmlns:p14="http://schemas.microsoft.com/office/powerpoint/2010/main" val="48367174"/>
+      </p:ext>
+    </p:extLst>
   </p:cSld>
   <p:clrMapOvr>
     <a:masterClrMapping/>
@@ -2836,7 +2956,7 @@
         <p:nvSpPr>
           <p:cNvPr id="60417" name="Rectangle 1"/>
           <p:cNvSpPr txBox="1">
-            <a:spLocks noChangeArrowheads="1"/>
+            <a:spLocks noGrp="1" noRot="1" noChangeAspect="1" noChangeArrowheads="1"/>
           </p:cNvSpPr>
           <p:nvPr>
             <p:ph type="sldImg"/>
@@ -2867,7 +2987,7 @@
         <p:nvSpPr>
           <p:cNvPr id="60418" name="Rectangle 2"/>
           <p:cNvSpPr txBox="1">
-            <a:spLocks noChangeArrowheads="1"/>
+            <a:spLocks noGrp="1" noChangeArrowheads="1"/>
           </p:cNvSpPr>
           <p:nvPr>
             <p:ph type="body" idx="1"/>
@@ -2897,6 +3017,11 @@
         </p:txBody>
       </p:sp>
     </p:spTree>
+    <p:extLst>
+      <p:ext uri="{BB962C8B-B14F-4D97-AF65-F5344CB8AC3E}">
+        <p14:creationId xmlns:p14="http://schemas.microsoft.com/office/powerpoint/2010/main" val="799136809"/>
+      </p:ext>
+    </p:extLst>
   </p:cSld>
   <p:clrMapOvr>
     <a:masterClrMapping/>
@@ -2959,7 +3084,7 @@
         <p:nvSpPr>
           <p:cNvPr id="61441" name="Rectangle 1"/>
           <p:cNvSpPr txBox="1">
-            <a:spLocks noChangeArrowheads="1"/>
+            <a:spLocks noGrp="1" noRot="1" noChangeAspect="1" noChangeArrowheads="1"/>
           </p:cNvSpPr>
           <p:nvPr>
             <p:ph type="sldImg"/>
@@ -2990,7 +3115,7 @@
         <p:nvSpPr>
           <p:cNvPr id="61442" name="Rectangle 2"/>
           <p:cNvSpPr txBox="1">
-            <a:spLocks noChangeArrowheads="1"/>
+            <a:spLocks noGrp="1" noChangeArrowheads="1"/>
           </p:cNvSpPr>
           <p:nvPr>
             <p:ph type="body" idx="1"/>
@@ -3020,6 +3145,11 @@
         </p:txBody>
       </p:sp>
     </p:spTree>
+    <p:extLst>
+      <p:ext uri="{BB962C8B-B14F-4D97-AF65-F5344CB8AC3E}">
+        <p14:creationId xmlns:p14="http://schemas.microsoft.com/office/powerpoint/2010/main" val="4003448656"/>
+      </p:ext>
+    </p:extLst>
   </p:cSld>
   <p:clrMapOvr>
     <a:masterClrMapping/>
@@ -3082,7 +3212,7 @@
         <p:nvSpPr>
           <p:cNvPr id="62465" name="Rectangle 1"/>
           <p:cNvSpPr txBox="1">
-            <a:spLocks noChangeArrowheads="1"/>
+            <a:spLocks noGrp="1" noRot="1" noChangeAspect="1" noChangeArrowheads="1"/>
           </p:cNvSpPr>
           <p:nvPr>
             <p:ph type="sldImg"/>
@@ -3113,7 +3243,7 @@
         <p:nvSpPr>
           <p:cNvPr id="62466" name="Rectangle 2"/>
           <p:cNvSpPr txBox="1">
-            <a:spLocks noChangeArrowheads="1"/>
+            <a:spLocks noGrp="1" noChangeArrowheads="1"/>
           </p:cNvSpPr>
           <p:nvPr>
             <p:ph type="body" idx="1"/>
@@ -3143,6 +3273,11 @@
         </p:txBody>
       </p:sp>
     </p:spTree>
+    <p:extLst>
+      <p:ext uri="{BB962C8B-B14F-4D97-AF65-F5344CB8AC3E}">
+        <p14:creationId xmlns:p14="http://schemas.microsoft.com/office/powerpoint/2010/main" val="3859470616"/>
+      </p:ext>
+    </p:extLst>
   </p:cSld>
   <p:clrMapOvr>
     <a:masterClrMapping/>
@@ -3205,7 +3340,7 @@
         <p:nvSpPr>
           <p:cNvPr id="63489" name="Rectangle 1"/>
           <p:cNvSpPr txBox="1">
-            <a:spLocks noChangeArrowheads="1"/>
+            <a:spLocks noGrp="1" noRot="1" noChangeAspect="1" noChangeArrowheads="1"/>
           </p:cNvSpPr>
           <p:nvPr>
             <p:ph type="sldImg"/>
@@ -3236,7 +3371,7 @@
         <p:nvSpPr>
           <p:cNvPr id="63490" name="Rectangle 2"/>
           <p:cNvSpPr txBox="1">
-            <a:spLocks noChangeArrowheads="1"/>
+            <a:spLocks noGrp="1" noChangeArrowheads="1"/>
           </p:cNvSpPr>
           <p:nvPr>
             <p:ph type="body" idx="1"/>
@@ -3266,6 +3401,11 @@
         </p:txBody>
       </p:sp>
     </p:spTree>
+    <p:extLst>
+      <p:ext uri="{BB962C8B-B14F-4D97-AF65-F5344CB8AC3E}">
+        <p14:creationId xmlns:p14="http://schemas.microsoft.com/office/powerpoint/2010/main" val="2079554082"/>
+      </p:ext>
+    </p:extLst>
   </p:cSld>
   <p:clrMapOvr>
     <a:masterClrMapping/>
@@ -3328,7 +3468,7 @@
         <p:nvSpPr>
           <p:cNvPr id="64513" name="Rectangle 1"/>
           <p:cNvSpPr txBox="1">
-            <a:spLocks noChangeArrowheads="1"/>
+            <a:spLocks noGrp="1" noRot="1" noChangeAspect="1" noChangeArrowheads="1"/>
           </p:cNvSpPr>
           <p:nvPr>
             <p:ph type="sldImg"/>
@@ -3359,7 +3499,7 @@
         <p:nvSpPr>
           <p:cNvPr id="64514" name="Rectangle 2"/>
           <p:cNvSpPr txBox="1">
-            <a:spLocks noChangeArrowheads="1"/>
+            <a:spLocks noGrp="1" noChangeArrowheads="1"/>
           </p:cNvSpPr>
           <p:nvPr>
             <p:ph type="body" idx="1"/>
@@ -3389,6 +3529,11 @@
         </p:txBody>
       </p:sp>
     </p:spTree>
+    <p:extLst>
+      <p:ext uri="{BB962C8B-B14F-4D97-AF65-F5344CB8AC3E}">
+        <p14:creationId xmlns:p14="http://schemas.microsoft.com/office/powerpoint/2010/main" val="1028071289"/>
+      </p:ext>
+    </p:extLst>
   </p:cSld>
   <p:clrMapOvr>
     <a:masterClrMapping/>
@@ -3451,7 +3596,7 @@
         <p:nvSpPr>
           <p:cNvPr id="37889" name="Rectangle 1"/>
           <p:cNvSpPr txBox="1">
-            <a:spLocks noChangeArrowheads="1"/>
+            <a:spLocks noGrp="1" noRot="1" noChangeAspect="1" noChangeArrowheads="1"/>
           </p:cNvSpPr>
           <p:nvPr>
             <p:ph type="sldImg"/>
@@ -3482,7 +3627,7 @@
         <p:nvSpPr>
           <p:cNvPr id="37890" name="Rectangle 2"/>
           <p:cNvSpPr txBox="1">
-            <a:spLocks noChangeArrowheads="1"/>
+            <a:spLocks noGrp="1" noChangeArrowheads="1"/>
           </p:cNvSpPr>
           <p:nvPr>
             <p:ph type="body" idx="1"/>
@@ -3512,6 +3657,11 @@
         </p:txBody>
       </p:sp>
     </p:spTree>
+    <p:extLst>
+      <p:ext uri="{BB962C8B-B14F-4D97-AF65-F5344CB8AC3E}">
+        <p14:creationId xmlns:p14="http://schemas.microsoft.com/office/powerpoint/2010/main" val="30803940"/>
+      </p:ext>
+    </p:extLst>
   </p:cSld>
   <p:clrMapOvr>
     <a:masterClrMapping/>
@@ -3574,7 +3724,7 @@
         <p:nvSpPr>
           <p:cNvPr id="65537" name="Rectangle 1"/>
           <p:cNvSpPr txBox="1">
-            <a:spLocks noChangeArrowheads="1"/>
+            <a:spLocks noGrp="1" noRot="1" noChangeAspect="1" noChangeArrowheads="1"/>
           </p:cNvSpPr>
           <p:nvPr>
             <p:ph type="sldImg"/>
@@ -3605,7 +3755,7 @@
         <p:nvSpPr>
           <p:cNvPr id="65538" name="Rectangle 2"/>
           <p:cNvSpPr txBox="1">
-            <a:spLocks noChangeArrowheads="1"/>
+            <a:spLocks noGrp="1" noChangeArrowheads="1"/>
           </p:cNvSpPr>
           <p:nvPr>
             <p:ph type="body" idx="1"/>
@@ -3635,6 +3785,11 @@
         </p:txBody>
       </p:sp>
     </p:spTree>
+    <p:extLst>
+      <p:ext uri="{BB962C8B-B14F-4D97-AF65-F5344CB8AC3E}">
+        <p14:creationId xmlns:p14="http://schemas.microsoft.com/office/powerpoint/2010/main" val="1731892764"/>
+      </p:ext>
+    </p:extLst>
   </p:cSld>
   <p:clrMapOvr>
     <a:masterClrMapping/>
@@ -3697,7 +3852,7 @@
         <p:nvSpPr>
           <p:cNvPr id="66561" name="Rectangle 1"/>
           <p:cNvSpPr txBox="1">
-            <a:spLocks noChangeArrowheads="1"/>
+            <a:spLocks noGrp="1" noRot="1" noChangeAspect="1" noChangeArrowheads="1"/>
           </p:cNvSpPr>
           <p:nvPr>
             <p:ph type="sldImg"/>
@@ -3728,7 +3883,7 @@
         <p:nvSpPr>
           <p:cNvPr id="66562" name="Rectangle 2"/>
           <p:cNvSpPr txBox="1">
-            <a:spLocks noChangeArrowheads="1"/>
+            <a:spLocks noGrp="1" noChangeArrowheads="1"/>
           </p:cNvSpPr>
           <p:nvPr>
             <p:ph type="body" idx="1"/>
@@ -3758,6 +3913,11 @@
         </p:txBody>
       </p:sp>
     </p:spTree>
+    <p:extLst>
+      <p:ext uri="{BB962C8B-B14F-4D97-AF65-F5344CB8AC3E}">
+        <p14:creationId xmlns:p14="http://schemas.microsoft.com/office/powerpoint/2010/main" val="17092833"/>
+      </p:ext>
+    </p:extLst>
   </p:cSld>
   <p:clrMapOvr>
     <a:masterClrMapping/>
@@ -3820,7 +3980,7 @@
         <p:nvSpPr>
           <p:cNvPr id="67585" name="Rectangle 1"/>
           <p:cNvSpPr txBox="1">
-            <a:spLocks noChangeArrowheads="1"/>
+            <a:spLocks noGrp="1" noRot="1" noChangeAspect="1" noChangeArrowheads="1"/>
           </p:cNvSpPr>
           <p:nvPr>
             <p:ph type="sldImg"/>
@@ -3851,7 +4011,7 @@
         <p:nvSpPr>
           <p:cNvPr id="67586" name="Rectangle 2"/>
           <p:cNvSpPr txBox="1">
-            <a:spLocks noChangeArrowheads="1"/>
+            <a:spLocks noGrp="1" noChangeArrowheads="1"/>
           </p:cNvSpPr>
           <p:nvPr>
             <p:ph type="body" idx="1"/>
@@ -3881,6 +4041,11 @@
         </p:txBody>
       </p:sp>
     </p:spTree>
+    <p:extLst>
+      <p:ext uri="{BB962C8B-B14F-4D97-AF65-F5344CB8AC3E}">
+        <p14:creationId xmlns:p14="http://schemas.microsoft.com/office/powerpoint/2010/main" val="4267316485"/>
+      </p:ext>
+    </p:extLst>
   </p:cSld>
   <p:clrMapOvr>
     <a:masterClrMapping/>
@@ -3943,7 +4108,7 @@
         <p:nvSpPr>
           <p:cNvPr id="38913" name="Rectangle 1"/>
           <p:cNvSpPr txBox="1">
-            <a:spLocks noChangeArrowheads="1"/>
+            <a:spLocks noGrp="1" noRot="1" noChangeAspect="1" noChangeArrowheads="1"/>
           </p:cNvSpPr>
           <p:nvPr>
             <p:ph type="sldImg"/>
@@ -3974,7 +4139,7 @@
         <p:nvSpPr>
           <p:cNvPr id="38914" name="Rectangle 2"/>
           <p:cNvSpPr txBox="1">
-            <a:spLocks noChangeArrowheads="1"/>
+            <a:spLocks noGrp="1" noChangeArrowheads="1"/>
           </p:cNvSpPr>
           <p:nvPr>
             <p:ph type="body" idx="1"/>
@@ -4004,6 +4169,11 @@
         </p:txBody>
       </p:sp>
     </p:spTree>
+    <p:extLst>
+      <p:ext uri="{BB962C8B-B14F-4D97-AF65-F5344CB8AC3E}">
+        <p14:creationId xmlns:p14="http://schemas.microsoft.com/office/powerpoint/2010/main" val="3538491453"/>
+      </p:ext>
+    </p:extLst>
   </p:cSld>
   <p:clrMapOvr>
     <a:masterClrMapping/>
@@ -4066,7 +4236,7 @@
         <p:nvSpPr>
           <p:cNvPr id="39937" name="Rectangle 1"/>
           <p:cNvSpPr txBox="1">
-            <a:spLocks noChangeArrowheads="1"/>
+            <a:spLocks noGrp="1" noRot="1" noChangeAspect="1" noChangeArrowheads="1"/>
           </p:cNvSpPr>
           <p:nvPr>
             <p:ph type="sldImg"/>
@@ -4097,7 +4267,7 @@
         <p:nvSpPr>
           <p:cNvPr id="39938" name="Rectangle 2"/>
           <p:cNvSpPr txBox="1">
-            <a:spLocks noChangeArrowheads="1"/>
+            <a:spLocks noGrp="1" noChangeArrowheads="1"/>
           </p:cNvSpPr>
           <p:nvPr>
             <p:ph type="body" idx="1"/>
@@ -4127,6 +4297,11 @@
         </p:txBody>
       </p:sp>
     </p:spTree>
+    <p:extLst>
+      <p:ext uri="{BB962C8B-B14F-4D97-AF65-F5344CB8AC3E}">
+        <p14:creationId xmlns:p14="http://schemas.microsoft.com/office/powerpoint/2010/main" val="2572800386"/>
+      </p:ext>
+    </p:extLst>
   </p:cSld>
   <p:clrMapOvr>
     <a:masterClrMapping/>
@@ -4189,7 +4364,7 @@
         <p:nvSpPr>
           <p:cNvPr id="40961" name="Rectangle 1"/>
           <p:cNvSpPr txBox="1">
-            <a:spLocks noChangeArrowheads="1"/>
+            <a:spLocks noGrp="1" noRot="1" noChangeAspect="1" noChangeArrowheads="1"/>
           </p:cNvSpPr>
           <p:nvPr>
             <p:ph type="sldImg"/>
@@ -4220,7 +4395,7 @@
         <p:nvSpPr>
           <p:cNvPr id="40962" name="Rectangle 2"/>
           <p:cNvSpPr txBox="1">
-            <a:spLocks noChangeArrowheads="1"/>
+            <a:spLocks noGrp="1" noChangeArrowheads="1"/>
           </p:cNvSpPr>
           <p:nvPr>
             <p:ph type="body" idx="1"/>
@@ -4250,6 +4425,11 @@
         </p:txBody>
       </p:sp>
     </p:spTree>
+    <p:extLst>
+      <p:ext uri="{BB962C8B-B14F-4D97-AF65-F5344CB8AC3E}">
+        <p14:creationId xmlns:p14="http://schemas.microsoft.com/office/powerpoint/2010/main" val="658689584"/>
+      </p:ext>
+    </p:extLst>
   </p:cSld>
   <p:clrMapOvr>
     <a:masterClrMapping/>
@@ -4312,7 +4492,7 @@
         <p:nvSpPr>
           <p:cNvPr id="41985" name="Rectangle 1"/>
           <p:cNvSpPr txBox="1">
-            <a:spLocks noChangeArrowheads="1"/>
+            <a:spLocks noGrp="1" noRot="1" noChangeAspect="1" noChangeArrowheads="1"/>
           </p:cNvSpPr>
           <p:nvPr>
             <p:ph type="sldImg"/>
@@ -4343,7 +4523,7 @@
         <p:nvSpPr>
           <p:cNvPr id="41986" name="Rectangle 2"/>
           <p:cNvSpPr txBox="1">
-            <a:spLocks noChangeArrowheads="1"/>
+            <a:spLocks noGrp="1" noChangeArrowheads="1"/>
           </p:cNvSpPr>
           <p:nvPr>
             <p:ph type="body" idx="1"/>
@@ -4373,6 +4553,11 @@
         </p:txBody>
       </p:sp>
     </p:spTree>
+    <p:extLst>
+      <p:ext uri="{BB962C8B-B14F-4D97-AF65-F5344CB8AC3E}">
+        <p14:creationId xmlns:p14="http://schemas.microsoft.com/office/powerpoint/2010/main" val="3172367512"/>
+      </p:ext>
+    </p:extLst>
   </p:cSld>
   <p:clrMapOvr>
     <a:masterClrMapping/>
@@ -4435,7 +4620,7 @@
         <p:nvSpPr>
           <p:cNvPr id="43009" name="Rectangle 1"/>
           <p:cNvSpPr txBox="1">
-            <a:spLocks noChangeArrowheads="1"/>
+            <a:spLocks noGrp="1" noRot="1" noChangeAspect="1" noChangeArrowheads="1"/>
           </p:cNvSpPr>
           <p:nvPr>
             <p:ph type="sldImg"/>
@@ -4466,7 +4651,7 @@
         <p:nvSpPr>
           <p:cNvPr id="43010" name="Rectangle 2"/>
           <p:cNvSpPr txBox="1">
-            <a:spLocks noChangeArrowheads="1"/>
+            <a:spLocks noGrp="1" noChangeArrowheads="1"/>
           </p:cNvSpPr>
           <p:nvPr>
             <p:ph type="body" idx="1"/>
@@ -4496,6 +4681,11 @@
         </p:txBody>
       </p:sp>
     </p:spTree>
+    <p:extLst>
+      <p:ext uri="{BB962C8B-B14F-4D97-AF65-F5344CB8AC3E}">
+        <p14:creationId xmlns:p14="http://schemas.microsoft.com/office/powerpoint/2010/main" val="3460844803"/>
+      </p:ext>
+    </p:extLst>
   </p:cSld>
   <p:clrMapOvr>
     <a:masterClrMapping/>
@@ -4558,7 +4748,7 @@
         <p:nvSpPr>
           <p:cNvPr id="44033" name="Rectangle 1"/>
           <p:cNvSpPr txBox="1">
-            <a:spLocks noChangeArrowheads="1"/>
+            <a:spLocks noGrp="1" noRot="1" noChangeAspect="1" noChangeArrowheads="1"/>
           </p:cNvSpPr>
           <p:nvPr>
             <p:ph type="sldImg"/>
@@ -4589,7 +4779,7 @@
         <p:nvSpPr>
           <p:cNvPr id="44034" name="Rectangle 2"/>
           <p:cNvSpPr txBox="1">
-            <a:spLocks noChangeArrowheads="1"/>
+            <a:spLocks noGrp="1" noChangeArrowheads="1"/>
           </p:cNvSpPr>
           <p:nvPr>
             <p:ph type="body" idx="1"/>
@@ -4619,6 +4809,11 @@
         </p:txBody>
       </p:sp>
     </p:spTree>
+    <p:extLst>
+      <p:ext uri="{BB962C8B-B14F-4D97-AF65-F5344CB8AC3E}">
+        <p14:creationId xmlns:p14="http://schemas.microsoft.com/office/powerpoint/2010/main" val="2845042063"/>
+      </p:ext>
+    </p:extLst>
   </p:cSld>
   <p:clrMapOvr>
     <a:masterClrMapping/>
@@ -8312,7 +8507,7 @@
   <p:timing>
     <p:tnLst>
       <p:par>
-        <p:cTn id="1" dur="indefinite" nodeType="tmRoot">
+        <p:cTn id="1" dur="indefinite" restart="never" nodeType="tmRoot">
           <p:childTnLst>
             <p:seq concurrent="1" nextAc="seek">
               <p:cTn id="2" dur="0" nodeType="mainSeq"/>
@@ -8696,7 +8891,7 @@
   <p:timing>
     <p:tnLst>
       <p:par>
-        <p:cTn id="1" dur="indefinite" nodeType="tmRoot">
+        <p:cTn id="1" dur="indefinite" restart="never" nodeType="tmRoot">
           <p:childTnLst>
             <p:seq concurrent="1" nextAc="seek">
               <p:cTn id="2" dur="0" nodeType="mainSeq"/>
@@ -9200,7 +9395,7 @@
   <p:timing>
     <p:tnLst>
       <p:par>
-        <p:cTn id="1" dur="indefinite" nodeType="tmRoot">
+        <p:cTn id="1" dur="indefinite" restart="never" nodeType="tmRoot">
           <p:childTnLst>
             <p:seq concurrent="1" nextAc="seek">
               <p:cTn id="2" dur="0" nodeType="mainSeq"/>
@@ -9743,7 +9938,7 @@
   <p:timing>
     <p:tnLst>
       <p:par>
-        <p:cTn id="1" dur="indefinite" nodeType="tmRoot">
+        <p:cTn id="1" dur="indefinite" restart="never" nodeType="tmRoot">
           <p:childTnLst>
             <p:seq concurrent="1" nextAc="seek">
               <p:cTn id="2" dur="0" nodeType="mainSeq"/>
@@ -10304,7 +10499,7 @@
   <p:timing>
     <p:tnLst>
       <p:par>
-        <p:cTn id="1" dur="indefinite" nodeType="tmRoot">
+        <p:cTn id="1" dur="indefinite" restart="never" nodeType="tmRoot">
           <p:childTnLst>
             <p:seq concurrent="1" nextAc="seek">
               <p:cTn id="2" dur="0" nodeType="mainSeq"/>
@@ -10881,7 +11076,7 @@
   <p:timing>
     <p:tnLst>
       <p:par>
-        <p:cTn id="1" dur="indefinite" nodeType="tmRoot">
+        <p:cTn id="1" dur="indefinite" restart="never" nodeType="tmRoot">
           <p:childTnLst>
             <p:seq concurrent="1" nextAc="seek">
               <p:cTn id="2" dur="0" nodeType="mainSeq"/>
@@ -11481,7 +11676,7 @@
   <p:timing>
     <p:tnLst>
       <p:par>
-        <p:cTn id="1" dur="indefinite" nodeType="tmRoot">
+        <p:cTn id="1" dur="indefinite" restart="never" nodeType="tmRoot">
           <p:childTnLst>
             <p:seq concurrent="1" nextAc="seek">
               <p:cTn id="2" dur="0" nodeType="mainSeq"/>
@@ -12061,7 +12256,7 @@
   <p:timing>
     <p:tnLst>
       <p:par>
-        <p:cTn id="1" dur="indefinite" nodeType="tmRoot">
+        <p:cTn id="1" dur="indefinite" restart="never" nodeType="tmRoot">
           <p:childTnLst>
             <p:seq concurrent="1" nextAc="seek">
               <p:cTn id="2" dur="0" nodeType="mainSeq"/>
@@ -12502,7 +12697,7 @@
   <p:timing>
     <p:tnLst>
       <p:par>
-        <p:cTn id="1" dur="indefinite" nodeType="tmRoot">
+        <p:cTn id="1" dur="indefinite" restart="never" nodeType="tmRoot">
           <p:childTnLst>
             <p:seq concurrent="1" nextAc="seek">
               <p:cTn id="2" dur="0" nodeType="mainSeq"/>
@@ -12875,7 +13070,7 @@
   <p:timing>
     <p:tnLst>
       <p:par>
-        <p:cTn id="1" dur="indefinite" nodeType="tmRoot">
+        <p:cTn id="1" dur="indefinite" restart="never" nodeType="tmRoot">
           <p:childTnLst>
             <p:seq concurrent="1" nextAc="seek">
               <p:cTn id="2" dur="0" nodeType="mainSeq"/>
@@ -13379,7 +13574,7 @@
   <p:timing>
     <p:tnLst>
       <p:par>
-        <p:cTn id="1" dur="indefinite" nodeType="tmRoot">
+        <p:cTn id="1" dur="indefinite" restart="never" nodeType="tmRoot">
           <p:childTnLst>
             <p:seq concurrent="1" nextAc="seek">
               <p:cTn id="2" dur="0" nodeType="mainSeq"/>
@@ -13663,7 +13858,7 @@
   <p:timing>
     <p:tnLst>
       <p:par>
-        <p:cTn id="1" dur="indefinite" nodeType="tmRoot">
+        <p:cTn id="1" dur="indefinite" restart="never" nodeType="tmRoot">
           <p:childTnLst>
             <p:seq concurrent="1" nextAc="seek">
               <p:cTn id="2" dur="0" nodeType="mainSeq"/>
@@ -14245,7 +14440,7 @@
   <p:timing>
     <p:tnLst>
       <p:par>
-        <p:cTn id="1" dur="indefinite" nodeType="tmRoot">
+        <p:cTn id="1" dur="indefinite" restart="never" nodeType="tmRoot">
           <p:childTnLst>
             <p:seq concurrent="1" nextAc="seek">
               <p:cTn id="2" dur="0" nodeType="mainSeq"/>
@@ -14787,7 +14982,7 @@
   <p:timing>
     <p:tnLst>
       <p:par>
-        <p:cTn id="1" dur="indefinite" nodeType="tmRoot">
+        <p:cTn id="1" dur="indefinite" restart="never" nodeType="tmRoot">
           <p:childTnLst>
             <p:seq concurrent="1" nextAc="seek">
               <p:cTn id="2" dur="0" nodeType="mainSeq"/>
@@ -15134,7 +15329,7 @@
   <p:timing>
     <p:tnLst>
       <p:par>
-        <p:cTn id="1" dur="indefinite" nodeType="tmRoot">
+        <p:cTn id="1" dur="indefinite" restart="never" nodeType="tmRoot">
           <p:childTnLst>
             <p:seq concurrent="1" nextAc="seek">
               <p:cTn id="2" dur="0" nodeType="mainSeq"/>
@@ -15787,7 +15982,7 @@
   <p:timing>
     <p:tnLst>
       <p:par>
-        <p:cTn id="1" dur="indefinite" nodeType="tmRoot">
+        <p:cTn id="1" dur="indefinite" restart="never" nodeType="tmRoot">
           <p:childTnLst>
             <p:seq concurrent="1" nextAc="seek">
               <p:cTn id="2" dur="0" nodeType="mainSeq"/>
@@ -16428,7 +16623,7 @@
   <p:timing>
     <p:tnLst>
       <p:par>
-        <p:cTn id="1" dur="indefinite" nodeType="tmRoot">
+        <p:cTn id="1" dur="indefinite" restart="never" nodeType="tmRoot">
           <p:childTnLst>
             <p:seq concurrent="1" nextAc="seek">
               <p:cTn id="2" dur="0" nodeType="mainSeq"/>
@@ -16961,7 +17156,7 @@
   <p:timing>
     <p:tnLst>
       <p:par>
-        <p:cTn id="1" dur="indefinite" nodeType="tmRoot">
+        <p:cTn id="1" dur="indefinite" restart="never" nodeType="tmRoot">
           <p:childTnLst>
             <p:seq concurrent="1" nextAc="seek">
               <p:cTn id="2" dur="0" nodeType="mainSeq"/>
@@ -17618,7 +17813,7 @@
   <p:timing>
     <p:tnLst>
       <p:par>
-        <p:cTn id="1" dur="indefinite" nodeType="tmRoot">
+        <p:cTn id="1" dur="indefinite" restart="never" nodeType="tmRoot">
           <p:childTnLst>
             <p:seq concurrent="1" nextAc="seek">
               <p:cTn id="2" dur="0" nodeType="mainSeq"/>
@@ -18246,7 +18441,7 @@
   <p:timing>
     <p:tnLst>
       <p:par>
-        <p:cTn id="1" dur="indefinite" nodeType="tmRoot">
+        <p:cTn id="1" dur="indefinite" restart="never" nodeType="tmRoot">
           <p:childTnLst>
             <p:seq concurrent="1" nextAc="seek">
               <p:cTn id="2" dur="0" nodeType="mainSeq"/>
@@ -18603,7 +18798,7 @@
   <p:timing>
     <p:tnLst>
       <p:par>
-        <p:cTn id="1" dur="indefinite" nodeType="tmRoot">
+        <p:cTn id="1" dur="indefinite" restart="never" nodeType="tmRoot">
           <p:childTnLst>
             <p:seq concurrent="1" nextAc="seek">
               <p:cTn id="2" dur="0" nodeType="mainSeq"/>
@@ -18974,7 +19169,7 @@
   <p:timing>
     <p:tnLst>
       <p:par>
-        <p:cTn id="1" dur="indefinite" nodeType="tmRoot">
+        <p:cTn id="1" dur="indefinite" restart="never" nodeType="tmRoot">
           <p:childTnLst>
             <p:seq concurrent="1" nextAc="seek">
               <p:cTn id="2" dur="0" nodeType="mainSeq"/>
@@ -19544,7 +19739,7 @@
   <p:timing>
     <p:tnLst>
       <p:par>
-        <p:cTn id="1" dur="indefinite" nodeType="tmRoot">
+        <p:cTn id="1" dur="indefinite" restart="never" nodeType="tmRoot">
           <p:childTnLst>
             <p:seq concurrent="1" nextAc="seek">
               <p:cTn id="2" dur="0" nodeType="mainSeq"/>
@@ -20060,7 +20255,7 @@
   <p:timing>
     <p:tnLst>
       <p:par>
-        <p:cTn id="1" dur="indefinite" nodeType="tmRoot">
+        <p:cTn id="1" dur="indefinite" restart="never" nodeType="tmRoot">
           <p:childTnLst>
             <p:seq concurrent="1" nextAc="seek">
               <p:cTn id="2" dur="0" nodeType="mainSeq"/>
@@ -20471,7 +20666,7 @@
   <p:timing>
     <p:tnLst>
       <p:par>
-        <p:cTn id="1" dur="indefinite" nodeType="tmRoot">
+        <p:cTn id="1" dur="indefinite" restart="never" nodeType="tmRoot">
           <p:childTnLst>
             <p:seq concurrent="1" nextAc="seek">
               <p:cTn id="2" dur="0" nodeType="mainSeq"/>
@@ -20772,7 +20967,7 @@
   <p:timing>
     <p:tnLst>
       <p:par>
-        <p:cTn id="1" dur="indefinite" nodeType="tmRoot">
+        <p:cTn id="1" dur="indefinite" restart="never" nodeType="tmRoot">
           <p:childTnLst>
             <p:seq concurrent="1" nextAc="seek">
               <p:cTn id="2" dur="0" nodeType="mainSeq"/>
@@ -21399,7 +21594,7 @@
   <p:timing>
     <p:tnLst>
       <p:par>
-        <p:cTn id="1" dur="indefinite" nodeType="tmRoot">
+        <p:cTn id="1" dur="indefinite" restart="never" nodeType="tmRoot">
           <p:childTnLst>
             <p:seq concurrent="1" nextAc="seek">
               <p:cTn id="2" dur="0" nodeType="mainSeq"/>
@@ -21905,7 +22100,7 @@
   <p:timing>
     <p:tnLst>
       <p:par>
-        <p:cTn id="1" dur="indefinite" nodeType="tmRoot">
+        <p:cTn id="1" dur="indefinite" restart="never" nodeType="tmRoot">
           <p:childTnLst>
             <p:seq concurrent="1" nextAc="seek">
               <p:cTn id="2" dur="0" nodeType="mainSeq"/>
@@ -22416,7 +22611,7 @@
   <p:timing>
     <p:tnLst>
       <p:par>
-        <p:cTn id="1" dur="indefinite" nodeType="tmRoot">
+        <p:cTn id="1" dur="indefinite" restart="never" nodeType="tmRoot">
           <p:childTnLst>
             <p:seq concurrent="1" nextAc="seek">
               <p:cTn id="2" dur="0" nodeType="mainSeq"/>
@@ -22922,7 +23117,7 @@
   <p:timing>
     <p:tnLst>
       <p:par>
-        <p:cTn id="1" dur="indefinite" nodeType="tmRoot">
+        <p:cTn id="1" dur="indefinite" restart="never" nodeType="tmRoot">
           <p:childTnLst>
             <p:seq concurrent="1" nextAc="seek">
               <p:cTn id="2" dur="0" nodeType="mainSeq"/>
@@ -23560,7 +23755,7 @@
   <p:timing>
     <p:tnLst>
       <p:par>
-        <p:cTn id="1" dur="indefinite" nodeType="tmRoot">
+        <p:cTn id="1" dur="indefinite" restart="never" nodeType="tmRoot">
           <p:childTnLst>
             <p:seq concurrent="1" nextAc="seek">
               <p:cTn id="2" dur="0" nodeType="mainSeq"/>
@@ -23993,7 +24188,7 @@
   <p:timing>
     <p:tnLst>
       <p:par>
-        <p:cTn id="1" dur="indefinite" nodeType="tmRoot">
+        <p:cTn id="1" dur="indefinite" restart="never" nodeType="tmRoot">
           <p:childTnLst>
             <p:seq concurrent="1" nextAc="seek">
               <p:cTn id="2" dur="0" nodeType="mainSeq"/>
@@ -24023,7 +24218,7 @@
 <file path=ppt/theme/theme1.xml><?xml version="1.0" encoding="utf-8"?>
 <a:theme xmlns:a="http://schemas.openxmlformats.org/drawingml/2006/main" name="Larissa-Design">
   <a:themeElements>
-    <a:clrScheme name="Larissa-Design 1">
+    <a:clrScheme name="Benutzerdefiniert 1">
       <a:dk1>
         <a:srgbClr val="000000"/>
       </a:dk1>
@@ -24055,10 +24250,10 @@
         <a:srgbClr val="2D2DB9"/>
       </a:accent6>
       <a:hlink>
-        <a:srgbClr val="CCCCFF"/>
+        <a:srgbClr val="2D2DB9"/>
       </a:hlink>
       <a:folHlink>
-        <a:srgbClr val="B2B2B2"/>
+        <a:srgbClr val="2D2DB9"/>
       </a:folHlink>
     </a:clrScheme>
     <a:fontScheme name="Larissa-Design">

--- a/folien/Semester_03_Termin_06_Kapitel05.pptx
+++ b/folien/Semester_03_Termin_06_Kapitel05.pptx
@@ -15204,7 +15204,7 @@
               </a:tabLst>
             </a:pPr>
             <a:r>
-              <a:rPr lang="de-DE" sz="2800"/>
+              <a:rPr lang="de-DE" sz="2800" dirty="0"/>
               <a:t>Schreiben Sie das Programm der letzten Übung derartig</a:t>
             </a:r>
           </a:p>
@@ -15229,17 +15229,23 @@
               </a:tabLst>
             </a:pPr>
             <a:r>
-              <a:rPr lang="de-DE" sz="2800"/>
+              <a:rPr lang="de-DE" sz="2800" dirty="0"/>
               <a:t>um, dass ein </a:t>
             </a:r>
             <a:r>
-              <a:rPr lang="de-DE" sz="2800">
+              <a:rPr lang="de-DE" sz="2800" dirty="0" err="1">
                 <a:latin typeface="Courier New" pitchFamily="49" charset="0"/>
               </a:rPr>
-              <a:t>int[]</a:t>
-            </a:r>
-            <a:r>
-              <a:rPr lang="de-DE" sz="2800"/>
+              <a:t>int</a:t>
+            </a:r>
+            <a:r>
+              <a:rPr lang="de-DE" sz="2800" dirty="0">
+                <a:latin typeface="Courier New" pitchFamily="49" charset="0"/>
+              </a:rPr>
+              <a:t>[]</a:t>
+            </a:r>
+            <a:r>
+              <a:rPr lang="de-DE" sz="2800" dirty="0"/>
               <a:t> der Größe 6 verwendet wird, um</a:t>
             </a:r>
           </a:p>
@@ -15264,7 +15270,7 @@
               </a:tabLst>
             </a:pPr>
             <a:r>
-              <a:rPr lang="de-DE" sz="2800"/>
+              <a:rPr lang="de-DE" sz="2800" dirty="0"/>
               <a:t>die Häufigkeit der Wurfergebnisse zu speichern.</a:t>
             </a:r>
           </a:p>
@@ -15291,7 +15297,7 @@
                 <a:tab pos="8686800" algn="l"/>
               </a:tabLst>
             </a:pPr>
-            <a:endParaRPr lang="de-DE"/>
+            <a:endParaRPr lang="de-DE" dirty="0" smtClean="0"/>
           </a:p>
           <a:p>
             <a:pPr marL="269875" indent="-269875">
@@ -15316,7 +15322,19 @@
                 <a:tab pos="8686800" algn="l"/>
               </a:tabLst>
             </a:pPr>
-            <a:endParaRPr lang="de-DE"/>
+            <a:r>
+              <a:rPr lang="de-DE" sz="2400" dirty="0">
+                <a:hlinkClick r:id="rId3"/>
+              </a:rPr>
+              <a:t>https://</a:t>
+            </a:r>
+            <a:r>
+              <a:rPr lang="de-DE" sz="2400" dirty="0" smtClean="0">
+                <a:hlinkClick r:id="rId3"/>
+              </a:rPr>
+              <a:t>github.com/nordakademie-einfuehrung-java/uebung_5_0</a:t>
+            </a:r>
+            <a:endParaRPr lang="de-DE" sz="2400" dirty="0" smtClean="0"/>
           </a:p>
         </p:txBody>
       </p:sp>
@@ -18666,13 +18684,13 @@
               </a:tabLst>
             </a:pPr>
             <a:r>
-              <a:rPr lang="de-DE" sz="2800"/>
-              <a:t>Simulieren Sie 1000 Würfe mit 2 Würfeln. Addieren Sie die beiden Augenzahlen und geben Sie am Ende aus, wie oft welche Augenzahlsumme (2 bis 12) herauskam.</a:t>
-            </a:r>
-            <a:br>
-              <a:rPr lang="de-DE" sz="2800"/>
-            </a:br>
-            <a:endParaRPr lang="de-DE" sz="2800"/>
+              <a:rPr lang="de-DE" sz="2800" dirty="0"/>
+              <a:t>Simulieren Sie 1000 Würfe mit 2 Würfeln. Addieren Sie die beiden Augenzahlen und geben Sie am Ende aus, wie oft welche Augenzahlsumme (2 bis 12) herauskam</a:t>
+            </a:r>
+            <a:r>
+              <a:rPr lang="de-DE" sz="2800" dirty="0" smtClean="0"/>
+              <a:t>.</a:t>
+            </a:r>
           </a:p>
           <a:p>
             <a:pPr marL="269875" indent="-269875">
@@ -18698,15 +18716,8 @@
               </a:tabLst>
             </a:pPr>
             <a:r>
-              <a:rPr lang="de-DE" sz="2800"/>
-              <a:t>Erweitern Sie danach das Programm auf 1000 Würfe mit 3 Würfeln (3 bis 18).</a:t>
-            </a:r>
-            <a:br>
-              <a:rPr lang="de-DE" sz="2800"/>
-            </a:br>
-            <a:r>
-              <a:rPr lang="de-DE" sz="2800"/>
-              <a:t> </a:t>
+              <a:rPr lang="de-DE" sz="2800" dirty="0" smtClean="0"/>
+              <a:t>Erweitern Sie danach das Programm auf 1000 Würfe mit 3 Würfeln (3 bis 18). </a:t>
             </a:r>
           </a:p>
           <a:p>
@@ -18733,9 +18744,83 @@
               </a:tabLst>
             </a:pPr>
             <a:r>
-              <a:rPr lang="de-DE" sz="2800"/>
-              <a:t>Ändern Sie das Programm derartig, dass nun die Augenzahlen multipliziert werden. Geben Sie am Ende aus, wie oft welches Augenzahlprodukt (1 bis 216) herauskam. Geben Sie nichts aus, wenn die Häufigkeit 0 beträgt.</a:t>
-            </a:r>
+              <a:rPr lang="de-DE" sz="2800" dirty="0" smtClean="0"/>
+              <a:t>Ändern </a:t>
+            </a:r>
+            <a:r>
+              <a:rPr lang="de-DE" sz="2800" dirty="0"/>
+              <a:t>Sie das Programm derartig, dass nun die Augenzahlen multipliziert werden. Geben Sie am Ende aus, wie oft welches Augenzahlprodukt (1 bis 216) herauskam. Geben Sie nichts aus, wenn die Häufigkeit 0 beträgt</a:t>
+            </a:r>
+            <a:r>
+              <a:rPr lang="de-DE" sz="2800" dirty="0" smtClean="0"/>
+              <a:t>.</a:t>
+            </a:r>
+          </a:p>
+          <a:p>
+            <a:pPr marL="0" indent="0">
+              <a:spcAft>
+                <a:spcPct val="0"/>
+              </a:spcAft>
+              <a:buSzPct val="45000"/>
+              <a:tabLst>
+                <a:tab pos="723900" algn="l"/>
+                <a:tab pos="1447800" algn="l"/>
+                <a:tab pos="2171700" algn="l"/>
+                <a:tab pos="2895600" algn="l"/>
+                <a:tab pos="3619500" algn="l"/>
+                <a:tab pos="4343400" algn="l"/>
+                <a:tab pos="5067300" algn="l"/>
+                <a:tab pos="5791200" algn="l"/>
+                <a:tab pos="6515100" algn="l"/>
+                <a:tab pos="7239000" algn="l"/>
+                <a:tab pos="7962900" algn="l"/>
+                <a:tab pos="8686800" algn="l"/>
+              </a:tabLst>
+            </a:pPr>
+            <a:endParaRPr lang="de-DE" sz="2400" dirty="0" smtClean="0">
+              <a:hlinkClick r:id="rId3"/>
+            </a:endParaRPr>
+          </a:p>
+          <a:p>
+            <a:pPr marL="0" indent="0">
+              <a:spcAft>
+                <a:spcPct val="0"/>
+              </a:spcAft>
+              <a:buSzPct val="45000"/>
+              <a:tabLst>
+                <a:tab pos="723900" algn="l"/>
+                <a:tab pos="1447800" algn="l"/>
+                <a:tab pos="2171700" algn="l"/>
+                <a:tab pos="2895600" algn="l"/>
+                <a:tab pos="3619500" algn="l"/>
+                <a:tab pos="4343400" algn="l"/>
+                <a:tab pos="5067300" algn="l"/>
+                <a:tab pos="5791200" algn="l"/>
+                <a:tab pos="6515100" algn="l"/>
+                <a:tab pos="7239000" algn="l"/>
+                <a:tab pos="7962900" algn="l"/>
+                <a:tab pos="8686800" algn="l"/>
+              </a:tabLst>
+            </a:pPr>
+            <a:r>
+              <a:rPr lang="de-DE" sz="2400" dirty="0" smtClean="0">
+                <a:hlinkClick r:id="rId3"/>
+              </a:rPr>
+              <a:t>https</a:t>
+            </a:r>
+            <a:r>
+              <a:rPr lang="de-DE" sz="2400" dirty="0">
+                <a:hlinkClick r:id="rId3"/>
+              </a:rPr>
+              <a:t>://</a:t>
+            </a:r>
+            <a:r>
+              <a:rPr lang="de-DE" sz="2400" dirty="0" smtClean="0">
+                <a:hlinkClick r:id="rId3"/>
+              </a:rPr>
+              <a:t>github.com/nordakademie-einfuehrung-java/uebung_5_1</a:t>
+            </a:r>
+            <a:endParaRPr lang="de-DE" sz="2800" dirty="0"/>
           </a:p>
           <a:p>
             <a:pPr marL="269875" indent="-269875">
@@ -18760,7 +18845,7 @@
                 <a:tab pos="8686800" algn="l"/>
               </a:tabLst>
             </a:pPr>
-            <a:endParaRPr lang="de-DE"/>
+            <a:endParaRPr lang="de-DE" dirty="0"/>
           </a:p>
           <a:p>
             <a:pPr marL="269875" indent="-269875">
@@ -18785,7 +18870,7 @@
                 <a:tab pos="8686800" algn="l"/>
               </a:tabLst>
             </a:pPr>
-            <a:endParaRPr lang="de-DE"/>
+            <a:endParaRPr lang="de-DE" dirty="0"/>
           </a:p>
         </p:txBody>
       </p:sp>
@@ -19020,37 +19105,43 @@
               </a:tabLst>
             </a:pPr>
             <a:r>
-              <a:rPr lang="de-DE" sz="2800"/>
+              <a:rPr lang="de-DE" sz="2800" dirty="0"/>
               <a:t>Lassen Sie sich von der Klasse </a:t>
             </a:r>
             <a:r>
-              <a:rPr lang="de-DE" sz="2800">
+              <a:rPr lang="de-DE" sz="2800" dirty="0">
                 <a:latin typeface="Courier New" pitchFamily="49" charset="0"/>
               </a:rPr>
               <a:t>Zufall</a:t>
             </a:r>
             <a:r>
-              <a:rPr lang="de-DE" sz="2800"/>
+              <a:rPr lang="de-DE" sz="2800" dirty="0"/>
               <a:t> über die Methode </a:t>
             </a:r>
             <a:r>
-              <a:rPr lang="de-DE" sz="2800">
+              <a:rPr lang="de-DE" sz="2800" dirty="0" err="1">
                 <a:latin typeface="Courier New" pitchFamily="49" charset="0"/>
               </a:rPr>
-              <a:t>erzeugeIntArray(...)</a:t>
-            </a:r>
-            <a:r>
-              <a:rPr lang="de-DE" sz="2800"/>
+              <a:t>erzeugeIntArray</a:t>
+            </a:r>
+            <a:r>
+              <a:rPr lang="de-DE" sz="2800" dirty="0">
+                <a:latin typeface="Courier New" pitchFamily="49" charset="0"/>
+              </a:rPr>
+              <a:t>(...)</a:t>
+            </a:r>
+            <a:r>
+              <a:rPr lang="de-DE" sz="2800" dirty="0"/>
               <a:t> ein Array der Größe </a:t>
             </a:r>
             <a:r>
-              <a:rPr lang="de-DE" sz="2800">
+              <a:rPr lang="de-DE" sz="2800" dirty="0">
                 <a:latin typeface="Courier New" pitchFamily="49" charset="0"/>
               </a:rPr>
               <a:t>10</a:t>
             </a:r>
             <a:r>
-              <a:rPr lang="de-DE" sz="2800"/>
+              <a:rPr lang="de-DE" sz="2800" dirty="0"/>
               <a:t> geben.</a:t>
             </a:r>
           </a:p>
@@ -19074,7 +19165,7 @@
                 <a:tab pos="8686800" algn="l"/>
               </a:tabLst>
             </a:pPr>
-            <a:endParaRPr lang="de-DE" sz="2800"/>
+            <a:endParaRPr lang="de-DE" sz="2800" dirty="0"/>
           </a:p>
           <a:p>
             <a:pPr marL="0" indent="0">
@@ -19097,17 +19188,17 @@
               </a:tabLst>
             </a:pPr>
             <a:r>
-              <a:rPr lang="de-DE" sz="2800"/>
+              <a:rPr lang="de-DE" sz="2800" dirty="0"/>
               <a:t>Es ist mit zufälligen </a:t>
             </a:r>
             <a:r>
-              <a:rPr lang="de-DE" sz="2800">
+              <a:rPr lang="de-DE" sz="2800" dirty="0" err="1">
                 <a:latin typeface="Courier New" pitchFamily="49" charset="0"/>
               </a:rPr>
               <a:t>int</a:t>
             </a:r>
             <a:r>
-              <a:rPr lang="de-DE" sz="2800"/>
+              <a:rPr lang="de-DE" sz="2800" dirty="0"/>
               <a:t>-Werten gefüllt.</a:t>
             </a:r>
           </a:p>
@@ -19131,7 +19222,7 @@
                 <a:tab pos="8686800" algn="l"/>
               </a:tabLst>
             </a:pPr>
-            <a:endParaRPr lang="de-DE" sz="2800"/>
+            <a:endParaRPr lang="de-DE" sz="2800" dirty="0"/>
           </a:p>
           <a:p>
             <a:pPr marL="0" indent="0">
@@ -19154,7 +19245,7 @@
               </a:tabLst>
             </a:pPr>
             <a:r>
-              <a:rPr lang="de-DE" sz="2800"/>
+              <a:rPr lang="de-DE" sz="2800" dirty="0"/>
               <a:t>Geben Sie das Array auf der Konsole aus, sortieren Sie es aufsteigend und geben Sie es dann sortiert nochmal aus.</a:t>
             </a:r>
           </a:p>
@@ -19961,7 +20052,7 @@
               </a:tabLst>
             </a:pPr>
             <a:r>
-              <a:rPr lang="de-DE" sz="2800"/>
+              <a:rPr lang="de-DE" sz="2800" dirty="0"/>
               <a:t>Erweitern Sie das Programm durch eine Zeitmessung.</a:t>
             </a:r>
           </a:p>
@@ -19985,40 +20076,46 @@
                 <a:tab pos="8686800" algn="l"/>
               </a:tabLst>
             </a:pPr>
-            <a:endParaRPr lang="de-DE" sz="2800"/>
-          </a:p>
-          <a:p>
-            <a:pPr marL="269875" indent="-269875">
-              <a:spcAft>
-                <a:spcPct val="0"/>
-              </a:spcAft>
-              <a:tabLst>
-                <a:tab pos="723900" algn="l"/>
-                <a:tab pos="1447800" algn="l"/>
-                <a:tab pos="2171700" algn="l"/>
-                <a:tab pos="2895600" algn="l"/>
-                <a:tab pos="3619500" algn="l"/>
-                <a:tab pos="4343400" algn="l"/>
-                <a:tab pos="5067300" algn="l"/>
-                <a:tab pos="5791200" algn="l"/>
-                <a:tab pos="6515100" algn="l"/>
-                <a:tab pos="7239000" algn="l"/>
-                <a:tab pos="7962900" algn="l"/>
-                <a:tab pos="8686800" algn="l"/>
-              </a:tabLst>
-            </a:pPr>
-            <a:r>
-              <a:rPr lang="de-DE" sz="2800"/>
+            <a:endParaRPr lang="de-DE" sz="2800" dirty="0"/>
+          </a:p>
+          <a:p>
+            <a:pPr marL="269875" indent="-269875">
+              <a:spcAft>
+                <a:spcPct val="0"/>
+              </a:spcAft>
+              <a:tabLst>
+                <a:tab pos="723900" algn="l"/>
+                <a:tab pos="1447800" algn="l"/>
+                <a:tab pos="2171700" algn="l"/>
+                <a:tab pos="2895600" algn="l"/>
+                <a:tab pos="3619500" algn="l"/>
+                <a:tab pos="4343400" algn="l"/>
+                <a:tab pos="5067300" algn="l"/>
+                <a:tab pos="5791200" algn="l"/>
+                <a:tab pos="6515100" algn="l"/>
+                <a:tab pos="7239000" algn="l"/>
+                <a:tab pos="7962900" algn="l"/>
+                <a:tab pos="8686800" algn="l"/>
+              </a:tabLst>
+            </a:pPr>
+            <a:r>
+              <a:rPr lang="de-DE" sz="2800" dirty="0"/>
               <a:t>Verwenden Sie dafür </a:t>
             </a:r>
             <a:r>
-              <a:rPr lang="de-DE" sz="2800">
+              <a:rPr lang="de-DE" sz="2800" dirty="0" err="1">
                 <a:latin typeface="Courier New" pitchFamily="49" charset="0"/>
               </a:rPr>
-              <a:t>System.nanoTime()</a:t>
-            </a:r>
-            <a:r>
-              <a:rPr lang="de-DE" sz="2800"/>
+              <a:t>System.nanoTime</a:t>
+            </a:r>
+            <a:r>
+              <a:rPr lang="de-DE" sz="2800" dirty="0">
+                <a:latin typeface="Courier New" pitchFamily="49" charset="0"/>
+              </a:rPr>
+              <a:t>()</a:t>
+            </a:r>
+            <a:r>
+              <a:rPr lang="de-DE" sz="2800" dirty="0"/>
               <a:t>, welches</a:t>
             </a:r>
           </a:p>
@@ -20043,7 +20140,7 @@
               </a:tabLst>
             </a:pPr>
             <a:r>
-              <a:rPr lang="de-DE" sz="2800"/>
+              <a:rPr lang="de-DE" sz="2800" dirty="0"/>
               <a:t>den Abstand zu einem fixen, aber nicht näher</a:t>
             </a:r>
           </a:p>
@@ -20068,7 +20165,7 @@
               </a:tabLst>
             </a:pPr>
             <a:r>
-              <a:rPr lang="de-DE" sz="2800"/>
+              <a:rPr lang="de-DE" sz="2800" dirty="0"/>
               <a:t>definierten Zeitpunkt in Nanosekunden liefert – und</a:t>
             </a:r>
           </a:p>
@@ -20093,7 +20190,7 @@
               </a:tabLst>
             </a:pPr>
             <a:r>
-              <a:rPr lang="de-DE" sz="2800"/>
+              <a:rPr lang="de-DE" sz="2800" dirty="0"/>
               <a:t>zwar so präzise,  wie der PC, auf dem das Programm</a:t>
             </a:r>
           </a:p>
@@ -20118,7 +20215,7 @@
               </a:tabLst>
             </a:pPr>
             <a:r>
-              <a:rPr lang="de-DE" sz="2800"/>
+              <a:rPr lang="de-DE" sz="2800" dirty="0"/>
               <a:t>läuft, es ermöglicht.</a:t>
             </a:r>
           </a:p>
@@ -20142,30 +20239,30 @@
                 <a:tab pos="8686800" algn="l"/>
               </a:tabLst>
             </a:pPr>
-            <a:endParaRPr lang="de-DE" sz="2800"/>
-          </a:p>
-          <a:p>
-            <a:pPr marL="269875" indent="-269875">
-              <a:spcAft>
-                <a:spcPct val="0"/>
-              </a:spcAft>
-              <a:tabLst>
-                <a:tab pos="723900" algn="l"/>
-                <a:tab pos="1447800" algn="l"/>
-                <a:tab pos="2171700" algn="l"/>
-                <a:tab pos="2895600" algn="l"/>
-                <a:tab pos="3619500" algn="l"/>
-                <a:tab pos="4343400" algn="l"/>
-                <a:tab pos="5067300" algn="l"/>
-                <a:tab pos="5791200" algn="l"/>
-                <a:tab pos="6515100" algn="l"/>
-                <a:tab pos="7239000" algn="l"/>
-                <a:tab pos="7962900" algn="l"/>
-                <a:tab pos="8686800" algn="l"/>
-              </a:tabLst>
-            </a:pPr>
-            <a:r>
-              <a:rPr lang="de-DE" sz="2800"/>
+            <a:endParaRPr lang="de-DE" sz="2800" dirty="0"/>
+          </a:p>
+          <a:p>
+            <a:pPr marL="269875" indent="-269875">
+              <a:spcAft>
+                <a:spcPct val="0"/>
+              </a:spcAft>
+              <a:tabLst>
+                <a:tab pos="723900" algn="l"/>
+                <a:tab pos="1447800" algn="l"/>
+                <a:tab pos="2171700" algn="l"/>
+                <a:tab pos="2895600" algn="l"/>
+                <a:tab pos="3619500" algn="l"/>
+                <a:tab pos="4343400" algn="l"/>
+                <a:tab pos="5067300" algn="l"/>
+                <a:tab pos="5791200" algn="l"/>
+                <a:tab pos="6515100" algn="l"/>
+                <a:tab pos="7239000" algn="l"/>
+                <a:tab pos="7962900" algn="l"/>
+                <a:tab pos="8686800" algn="l"/>
+              </a:tabLst>
+            </a:pPr>
+            <a:r>
+              <a:rPr lang="de-DE" sz="2800" dirty="0"/>
               <a:t>Sortieren Sie größere Arrays mit 100, 1000, 10000 usw.</a:t>
             </a:r>
           </a:p>
@@ -20190,9 +20287,69 @@
               </a:tabLst>
             </a:pPr>
             <a:r>
-              <a:rPr lang="de-DE" sz="2800"/>
-              <a:t>Einträgen und messen Sie die Laufzeiten.</a:t>
-            </a:r>
+              <a:rPr lang="de-DE" sz="2800" dirty="0"/>
+              <a:t>Einträgen und messen Sie die Laufzeiten</a:t>
+            </a:r>
+            <a:r>
+              <a:rPr lang="de-DE" sz="2800" dirty="0" smtClean="0"/>
+              <a:t>.</a:t>
+            </a:r>
+          </a:p>
+          <a:p>
+            <a:pPr marL="269875" indent="-269875">
+              <a:spcAft>
+                <a:spcPct val="0"/>
+              </a:spcAft>
+              <a:tabLst>
+                <a:tab pos="723900" algn="l"/>
+                <a:tab pos="1447800" algn="l"/>
+                <a:tab pos="2171700" algn="l"/>
+                <a:tab pos="2895600" algn="l"/>
+                <a:tab pos="3619500" algn="l"/>
+                <a:tab pos="4343400" algn="l"/>
+                <a:tab pos="5067300" algn="l"/>
+                <a:tab pos="5791200" algn="l"/>
+                <a:tab pos="6515100" algn="l"/>
+                <a:tab pos="7239000" algn="l"/>
+                <a:tab pos="7962900" algn="l"/>
+                <a:tab pos="8686800" algn="l"/>
+              </a:tabLst>
+            </a:pPr>
+            <a:endParaRPr lang="de-DE" sz="2800" dirty="0"/>
+          </a:p>
+          <a:p>
+            <a:pPr marL="269875" indent="-269875">
+              <a:spcAft>
+                <a:spcPct val="0"/>
+              </a:spcAft>
+              <a:tabLst>
+                <a:tab pos="723900" algn="l"/>
+                <a:tab pos="1447800" algn="l"/>
+                <a:tab pos="2171700" algn="l"/>
+                <a:tab pos="2895600" algn="l"/>
+                <a:tab pos="3619500" algn="l"/>
+                <a:tab pos="4343400" algn="l"/>
+                <a:tab pos="5067300" algn="l"/>
+                <a:tab pos="5791200" algn="l"/>
+                <a:tab pos="6515100" algn="l"/>
+                <a:tab pos="7239000" algn="l"/>
+                <a:tab pos="7962900" algn="l"/>
+                <a:tab pos="8686800" algn="l"/>
+              </a:tabLst>
+            </a:pPr>
+            <a:r>
+              <a:rPr lang="de-DE" sz="2400" dirty="0">
+                <a:hlinkClick r:id="rId3"/>
+              </a:rPr>
+              <a:t>https://</a:t>
+            </a:r>
+            <a:r>
+              <a:rPr lang="de-DE" sz="2400" dirty="0" smtClean="0">
+                <a:hlinkClick r:id="rId3"/>
+              </a:rPr>
+              <a:t>github.com/nordakademie-einfuehrung-java/uebung_5_2</a:t>
+            </a:r>
+            <a:endParaRPr lang="de-DE" sz="2400" dirty="0"/>
           </a:p>
           <a:p>
             <a:pPr marL="269875" indent="-269875">
@@ -20217,7 +20374,7 @@
                 <a:tab pos="8686800" algn="l"/>
               </a:tabLst>
             </a:pPr>
-            <a:endParaRPr lang="de-DE"/>
+            <a:endParaRPr lang="de-DE" dirty="0"/>
           </a:p>
           <a:p>
             <a:pPr marL="269875" indent="-269875">
@@ -20242,7 +20399,7 @@
                 <a:tab pos="8686800" algn="l"/>
               </a:tabLst>
             </a:pPr>
-            <a:endParaRPr lang="de-DE"/>
+            <a:endParaRPr lang="de-DE" dirty="0"/>
           </a:p>
         </p:txBody>
       </p:sp>
@@ -23339,32 +23496,40 @@
               </a:tabLst>
             </a:pPr>
             <a:r>
-              <a:rPr lang="de-DE" sz="2400"/>
-              <a:t>Erstellen Sie ein neues Projekt und binden Sie das jar-Archiv </a:t>
-            </a:r>
-          </a:p>
-          <a:p>
-            <a:pPr marL="269875" indent="-269875">
-              <a:spcAft>
-                <a:spcPct val="0"/>
-              </a:spcAft>
-              <a:tabLst>
-                <a:tab pos="723900" algn="l"/>
-                <a:tab pos="1447800" algn="l"/>
-                <a:tab pos="2171700" algn="l"/>
-                <a:tab pos="2895600" algn="l"/>
-                <a:tab pos="3619500" algn="l"/>
-                <a:tab pos="4343400" algn="l"/>
-                <a:tab pos="5067300" algn="l"/>
-                <a:tab pos="5791200" algn="l"/>
-                <a:tab pos="6515100" algn="l"/>
-                <a:tab pos="7239000" algn="l"/>
-                <a:tab pos="7962900" algn="l"/>
-                <a:tab pos="8686800" algn="l"/>
-              </a:tabLst>
-            </a:pPr>
-            <a:r>
-              <a:rPr lang="de-DE" sz="2400"/>
+              <a:rPr lang="de-DE" sz="2400" dirty="0"/>
+              <a:t>Erstellen Sie ein neues Projekt und binden Sie das </a:t>
+            </a:r>
+            <a:r>
+              <a:rPr lang="de-DE" sz="2400" dirty="0" err="1"/>
+              <a:t>jar</a:t>
+            </a:r>
+            <a:r>
+              <a:rPr lang="de-DE" sz="2400" dirty="0"/>
+              <a:t>-Archiv </a:t>
+            </a:r>
+          </a:p>
+          <a:p>
+            <a:pPr marL="269875" indent="-269875">
+              <a:spcAft>
+                <a:spcPct val="0"/>
+              </a:spcAft>
+              <a:tabLst>
+                <a:tab pos="723900" algn="l"/>
+                <a:tab pos="1447800" algn="l"/>
+                <a:tab pos="2171700" algn="l"/>
+                <a:tab pos="2895600" algn="l"/>
+                <a:tab pos="3619500" algn="l"/>
+                <a:tab pos="4343400" algn="l"/>
+                <a:tab pos="5067300" algn="l"/>
+                <a:tab pos="5791200" algn="l"/>
+                <a:tab pos="6515100" algn="l"/>
+                <a:tab pos="7239000" algn="l"/>
+                <a:tab pos="7962900" algn="l"/>
+                <a:tab pos="8686800" algn="l"/>
+              </a:tabLst>
+            </a:pPr>
+            <a:r>
+              <a:rPr lang="de-DE" sz="2400" dirty="0"/>
               <a:t>"Uebungstools.jar" ein.</a:t>
             </a:r>
           </a:p>
@@ -23388,40 +23553,40 @@
                 <a:tab pos="8686800" algn="l"/>
               </a:tabLst>
             </a:pPr>
-            <a:endParaRPr lang="de-DE" sz="2400"/>
-          </a:p>
-          <a:p>
-            <a:pPr marL="269875" indent="-269875">
-              <a:spcAft>
-                <a:spcPct val="0"/>
-              </a:spcAft>
-              <a:tabLst>
-                <a:tab pos="723900" algn="l"/>
-                <a:tab pos="1447800" algn="l"/>
-                <a:tab pos="2171700" algn="l"/>
-                <a:tab pos="2895600" algn="l"/>
-                <a:tab pos="3619500" algn="l"/>
-                <a:tab pos="4343400" algn="l"/>
-                <a:tab pos="5067300" algn="l"/>
-                <a:tab pos="5791200" algn="l"/>
-                <a:tab pos="6515100" algn="l"/>
-                <a:tab pos="7239000" algn="l"/>
-                <a:tab pos="7962900" algn="l"/>
-                <a:tab pos="8686800" algn="l"/>
-              </a:tabLst>
-            </a:pPr>
-            <a:r>
-              <a:rPr lang="de-DE" sz="2400"/>
+            <a:endParaRPr lang="de-DE" sz="2400" dirty="0"/>
+          </a:p>
+          <a:p>
+            <a:pPr marL="269875" indent="-269875">
+              <a:spcAft>
+                <a:spcPct val="0"/>
+              </a:spcAft>
+              <a:tabLst>
+                <a:tab pos="723900" algn="l"/>
+                <a:tab pos="1447800" algn="l"/>
+                <a:tab pos="2171700" algn="l"/>
+                <a:tab pos="2895600" algn="l"/>
+                <a:tab pos="3619500" algn="l"/>
+                <a:tab pos="4343400" algn="l"/>
+                <a:tab pos="5067300" algn="l"/>
+                <a:tab pos="5791200" algn="l"/>
+                <a:tab pos="6515100" algn="l"/>
+                <a:tab pos="7239000" algn="l"/>
+                <a:tab pos="7962900" algn="l"/>
+                <a:tab pos="8686800" algn="l"/>
+              </a:tabLst>
+            </a:pPr>
+            <a:r>
+              <a:rPr lang="de-DE" sz="2400" dirty="0"/>
               <a:t>Damit steht Ihnen eine neue Klasse </a:t>
             </a:r>
             <a:r>
-              <a:rPr lang="de-DE" sz="2400">
+              <a:rPr lang="de-DE" sz="2400" dirty="0">
                 <a:latin typeface="Courier New" pitchFamily="49" charset="0"/>
               </a:rPr>
               <a:t>Zufall</a:t>
             </a:r>
             <a:r>
-              <a:rPr lang="de-DE" sz="2400"/>
+              <a:rPr lang="de-DE" sz="2400" dirty="0"/>
               <a:t> mit folgenden</a:t>
             </a:r>
           </a:p>
@@ -23446,7 +23611,7 @@
               </a:tabLst>
             </a:pPr>
             <a:r>
-              <a:rPr lang="de-DE" sz="2400"/>
+              <a:rPr lang="de-DE" sz="2400" dirty="0"/>
               <a:t>Methoden zur Verfügung:</a:t>
             </a:r>
           </a:p>
@@ -23470,7 +23635,7 @@
                 <a:tab pos="8686800" algn="l"/>
               </a:tabLst>
             </a:pPr>
-            <a:endParaRPr lang="de-DE" sz="2400"/>
+            <a:endParaRPr lang="de-DE" sz="2400" dirty="0"/>
           </a:p>
           <a:p>
             <a:pPr marL="269875" indent="-269875">
@@ -23496,10 +23661,64 @@
               </a:tabLst>
             </a:pPr>
             <a:r>
-              <a:rPr lang="de-DE" sz="2200">
+              <a:rPr lang="de-DE" sz="2200" dirty="0" err="1">
                 <a:latin typeface="Courier New" pitchFamily="49" charset="0"/>
               </a:rPr>
-              <a:t>int   		getZufallInt(int min, int max)‏</a:t>
+              <a:t>int</a:t>
+            </a:r>
+            <a:r>
+              <a:rPr lang="de-DE" sz="2200" dirty="0">
+                <a:latin typeface="Courier New" pitchFamily="49" charset="0"/>
+              </a:rPr>
+              <a:t>   		</a:t>
+            </a:r>
+            <a:r>
+              <a:rPr lang="de-DE" sz="2200" dirty="0" err="1">
+                <a:latin typeface="Courier New" pitchFamily="49" charset="0"/>
+              </a:rPr>
+              <a:t>getZufallInt</a:t>
+            </a:r>
+            <a:r>
+              <a:rPr lang="de-DE" sz="2200" dirty="0">
+                <a:latin typeface="Courier New" pitchFamily="49" charset="0"/>
+              </a:rPr>
+              <a:t>(</a:t>
+            </a:r>
+            <a:r>
+              <a:rPr lang="de-DE" sz="2200" dirty="0" err="1">
+                <a:latin typeface="Courier New" pitchFamily="49" charset="0"/>
+              </a:rPr>
+              <a:t>int</a:t>
+            </a:r>
+            <a:r>
+              <a:rPr lang="de-DE" sz="2200" dirty="0">
+                <a:latin typeface="Courier New" pitchFamily="49" charset="0"/>
+              </a:rPr>
+              <a:t> min, </a:t>
+            </a:r>
+            <a:r>
+              <a:rPr lang="de-DE" sz="2200" dirty="0" err="1">
+                <a:latin typeface="Courier New" pitchFamily="49" charset="0"/>
+              </a:rPr>
+              <a:t>int</a:t>
+            </a:r>
+            <a:r>
+              <a:rPr lang="de-DE" sz="2200" dirty="0">
+                <a:latin typeface="Courier New" pitchFamily="49" charset="0"/>
+              </a:rPr>
+              <a:t> </a:t>
+            </a:r>
+            <a:r>
+              <a:rPr lang="de-DE" sz="2200" dirty="0" err="1">
+                <a:latin typeface="Courier New" pitchFamily="49" charset="0"/>
+              </a:rPr>
+              <a:t>max</a:t>
+            </a:r>
+            <a:r>
+              <a:rPr lang="de-DE" sz="2200" dirty="0">
+                <a:latin typeface="Courier New" pitchFamily="49" charset="0"/>
+              </a:rPr>
+              <a:t>)‏</a:t>
             </a:r>
           </a:p>
           <a:p>
@@ -23526,10 +23745,34 @@
               </a:tabLst>
             </a:pPr>
             <a:r>
-              <a:rPr lang="de-DE" sz="2200">
+              <a:rPr lang="de-DE" sz="2200" dirty="0">
                 <a:latin typeface="Courier New" pitchFamily="49" charset="0"/>
               </a:rPr>
-              <a:t>double		getZufallDouble(double min, double max)‏</a:t>
+              <a:t>double		</a:t>
+            </a:r>
+            <a:r>
+              <a:rPr lang="de-DE" sz="2200" dirty="0" err="1">
+                <a:latin typeface="Courier New" pitchFamily="49" charset="0"/>
+              </a:rPr>
+              <a:t>getZufallDouble</a:t>
+            </a:r>
+            <a:r>
+              <a:rPr lang="de-DE" sz="2200" dirty="0">
+                <a:latin typeface="Courier New" pitchFamily="49" charset="0"/>
+              </a:rPr>
+              <a:t>(double min, double </a:t>
+            </a:r>
+            <a:r>
+              <a:rPr lang="de-DE" sz="2200" dirty="0" err="1">
+                <a:latin typeface="Courier New" pitchFamily="49" charset="0"/>
+              </a:rPr>
+              <a:t>max</a:t>
+            </a:r>
+            <a:r>
+              <a:rPr lang="de-DE" sz="2200" dirty="0">
+                <a:latin typeface="Courier New" pitchFamily="49" charset="0"/>
+              </a:rPr>
+              <a:t>)‏</a:t>
             </a:r>
           </a:p>
           <a:p>
@@ -23556,10 +23799,28 @@
               </a:tabLst>
             </a:pPr>
             <a:r>
-              <a:rPr lang="de-DE" sz="2200">
+              <a:rPr lang="de-DE" sz="2200" dirty="0" err="1">
                 <a:latin typeface="Courier New" pitchFamily="49" charset="0"/>
               </a:rPr>
-              <a:t>boolean		getZufallBoolean()‏</a:t>
+              <a:t>boolean</a:t>
+            </a:r>
+            <a:r>
+              <a:rPr lang="de-DE" sz="2200" dirty="0">
+                <a:latin typeface="Courier New" pitchFamily="49" charset="0"/>
+              </a:rPr>
+              <a:t>		</a:t>
+            </a:r>
+            <a:r>
+              <a:rPr lang="de-DE" sz="2200" dirty="0" err="1">
+                <a:latin typeface="Courier New" pitchFamily="49" charset="0"/>
+              </a:rPr>
+              <a:t>getZufallBoolean</a:t>
+            </a:r>
+            <a:r>
+              <a:rPr lang="de-DE" sz="2200" dirty="0">
+                <a:latin typeface="Courier New" pitchFamily="49" charset="0"/>
+              </a:rPr>
+              <a:t>()‏</a:t>
             </a:r>
           </a:p>
           <a:p>
@@ -23586,10 +23847,52 @@
               </a:tabLst>
             </a:pPr>
             <a:r>
-              <a:rPr lang="de-DE" sz="2200">
+              <a:rPr lang="de-DE" sz="2200" dirty="0" err="1">
                 <a:latin typeface="Courier New" pitchFamily="49" charset="0"/>
               </a:rPr>
-              <a:t>int[]  		erzeugeIntArray(int groesse)‏</a:t>
+              <a:t>int</a:t>
+            </a:r>
+            <a:r>
+              <a:rPr lang="de-DE" sz="2200" dirty="0">
+                <a:latin typeface="Courier New" pitchFamily="49" charset="0"/>
+              </a:rPr>
+              <a:t>[]  		</a:t>
+            </a:r>
+            <a:r>
+              <a:rPr lang="de-DE" sz="2200" dirty="0" err="1">
+                <a:latin typeface="Courier New" pitchFamily="49" charset="0"/>
+              </a:rPr>
+              <a:t>erzeugeIntArray</a:t>
+            </a:r>
+            <a:r>
+              <a:rPr lang="de-DE" sz="2200" dirty="0">
+                <a:latin typeface="Courier New" pitchFamily="49" charset="0"/>
+              </a:rPr>
+              <a:t>(</a:t>
+            </a:r>
+            <a:r>
+              <a:rPr lang="de-DE" sz="2200" dirty="0" err="1">
+                <a:latin typeface="Courier New" pitchFamily="49" charset="0"/>
+              </a:rPr>
+              <a:t>int</a:t>
+            </a:r>
+            <a:r>
+              <a:rPr lang="de-DE" sz="2200" dirty="0">
+                <a:latin typeface="Courier New" pitchFamily="49" charset="0"/>
+              </a:rPr>
+              <a:t> </a:t>
+            </a:r>
+            <a:r>
+              <a:rPr lang="de-DE" sz="2200" dirty="0" err="1">
+                <a:latin typeface="Courier New" pitchFamily="49" charset="0"/>
+              </a:rPr>
+              <a:t>groesse</a:t>
+            </a:r>
+            <a:r>
+              <a:rPr lang="de-DE" sz="2200" dirty="0">
+                <a:latin typeface="Courier New" pitchFamily="49" charset="0"/>
+              </a:rPr>
+              <a:t>)‏</a:t>
             </a:r>
           </a:p>
           <a:p>
@@ -23615,7 +23918,7 @@
                 <a:tab pos="8686800" algn="l"/>
               </a:tabLst>
             </a:pPr>
-            <a:endParaRPr lang="de-DE" sz="2200">
+            <a:endParaRPr lang="de-DE" sz="2200" dirty="0">
               <a:latin typeface="Courier New" pitchFamily="49" charset="0"/>
             </a:endParaRPr>
           </a:p>
@@ -23640,7 +23943,7 @@
               </a:tabLst>
             </a:pPr>
             <a:r>
-              <a:rPr lang="de-DE" sz="2400"/>
+              <a:rPr lang="de-DE" sz="2400" dirty="0"/>
               <a:t>Schreiben Sie ein Programm, welches 50 Würfe mit einem Würfel</a:t>
             </a:r>
           </a:p>
@@ -23665,7 +23968,7 @@
               </a:tabLst>
             </a:pPr>
             <a:r>
-              <a:rPr lang="de-DE" sz="2400"/>
+              <a:rPr lang="de-DE" sz="2400" dirty="0"/>
               <a:t>simuliert und am Ende ausgibt, welche Zahl wie oft gewürfelt</a:t>
             </a:r>
           </a:p>
@@ -23690,9 +23993,93 @@
               </a:tabLst>
             </a:pPr>
             <a:r>
-              <a:rPr lang="de-DE" sz="2400"/>
-              <a:t>wurde.</a:t>
-            </a:r>
+              <a:rPr lang="de-DE" sz="2400" dirty="0"/>
+              <a:t>wurde</a:t>
+            </a:r>
+            <a:r>
+              <a:rPr lang="de-DE" sz="2400" dirty="0" smtClean="0"/>
+              <a:t>.</a:t>
+            </a:r>
+          </a:p>
+          <a:p>
+            <a:pPr marL="269875" indent="-269875">
+              <a:spcAft>
+                <a:spcPct val="0"/>
+              </a:spcAft>
+              <a:tabLst>
+                <a:tab pos="723900" algn="l"/>
+                <a:tab pos="1447800" algn="l"/>
+                <a:tab pos="2171700" algn="l"/>
+                <a:tab pos="2895600" algn="l"/>
+                <a:tab pos="3619500" algn="l"/>
+                <a:tab pos="4343400" algn="l"/>
+                <a:tab pos="5067300" algn="l"/>
+                <a:tab pos="5791200" algn="l"/>
+                <a:tab pos="6515100" algn="l"/>
+                <a:tab pos="7239000" algn="l"/>
+                <a:tab pos="7962900" algn="l"/>
+                <a:tab pos="8686800" algn="l"/>
+              </a:tabLst>
+            </a:pPr>
+            <a:endParaRPr lang="de-DE" sz="2400" dirty="0" smtClean="0">
+              <a:hlinkClick r:id="rId3"/>
+            </a:endParaRPr>
+          </a:p>
+          <a:p>
+            <a:pPr marL="269875" indent="-269875">
+              <a:spcAft>
+                <a:spcPct val="0"/>
+              </a:spcAft>
+              <a:tabLst>
+                <a:tab pos="723900" algn="l"/>
+                <a:tab pos="1447800" algn="l"/>
+                <a:tab pos="2171700" algn="l"/>
+                <a:tab pos="2895600" algn="l"/>
+                <a:tab pos="3619500" algn="l"/>
+                <a:tab pos="4343400" algn="l"/>
+                <a:tab pos="5067300" algn="l"/>
+                <a:tab pos="5791200" algn="l"/>
+                <a:tab pos="6515100" algn="l"/>
+                <a:tab pos="7239000" algn="l"/>
+                <a:tab pos="7962900" algn="l"/>
+                <a:tab pos="8686800" algn="l"/>
+              </a:tabLst>
+            </a:pPr>
+            <a:r>
+              <a:rPr lang="de-DE" sz="2400" dirty="0" smtClean="0">
+                <a:hlinkClick r:id="rId3"/>
+              </a:rPr>
+              <a:t>https</a:t>
+            </a:r>
+            <a:r>
+              <a:rPr lang="de-DE" sz="2400" dirty="0">
+                <a:hlinkClick r:id="rId3"/>
+              </a:rPr>
+              <a:t>://github.com/nordakademie-einfuehrung-java/uebung_5_0</a:t>
+            </a:r>
+            <a:endParaRPr lang="de-DE" sz="2400" dirty="0"/>
+          </a:p>
+          <a:p>
+            <a:pPr marL="269875" indent="-269875">
+              <a:spcAft>
+                <a:spcPct val="0"/>
+              </a:spcAft>
+              <a:tabLst>
+                <a:tab pos="723900" algn="l"/>
+                <a:tab pos="1447800" algn="l"/>
+                <a:tab pos="2171700" algn="l"/>
+                <a:tab pos="2895600" algn="l"/>
+                <a:tab pos="3619500" algn="l"/>
+                <a:tab pos="4343400" algn="l"/>
+                <a:tab pos="5067300" algn="l"/>
+                <a:tab pos="5791200" algn="l"/>
+                <a:tab pos="6515100" algn="l"/>
+                <a:tab pos="7239000" algn="l"/>
+                <a:tab pos="7962900" algn="l"/>
+                <a:tab pos="8686800" algn="l"/>
+              </a:tabLst>
+            </a:pPr>
+            <a:endParaRPr lang="de-DE" sz="2400" dirty="0"/>
           </a:p>
           <a:p>
             <a:pPr marL="269875" indent="-269875">
@@ -23717,7 +24104,7 @@
                 <a:tab pos="8686800" algn="l"/>
               </a:tabLst>
             </a:pPr>
-            <a:endParaRPr lang="de-DE"/>
+            <a:endParaRPr lang="de-DE" dirty="0"/>
           </a:p>
           <a:p>
             <a:pPr marL="269875" indent="-269875">
@@ -23742,7 +24129,7 @@
                 <a:tab pos="8686800" algn="l"/>
               </a:tabLst>
             </a:pPr>
-            <a:endParaRPr lang="de-DE"/>
+            <a:endParaRPr lang="de-DE" dirty="0"/>
           </a:p>
         </p:txBody>
       </p:sp>

--- a/folien/Semester_03_Termin_06_Kapitel05.pptx
+++ b/folien/Semester_03_Termin_06_Kapitel05.pptx
@@ -334,7 +334,7 @@
           <a:lstStyle/>
           <a:p>
             <a:pPr lvl="0"/>
-            <a:endParaRPr lang="de-DE" smtClean="0"/>
+            <a:endParaRPr lang="de-DE"/>
           </a:p>
         </p:txBody>
       </p:sp>
@@ -5375,10 +5375,9 @@
           <a:lstStyle/>
           <a:p>
             <a:r>
-              <a:rPr lang="de-DE" smtClean="0"/>
+              <a:rPr lang="de-DE"/>
               <a:t>Titelmasterformat durch Klicken bearbeiten</a:t>
             </a:r>
-            <a:endParaRPr lang="de-DE"/>
           </a:p>
         </p:txBody>
       </p:sp>
@@ -5440,10 +5439,9 @@
           </a:lstStyle>
           <a:p>
             <a:r>
-              <a:rPr lang="de-DE" smtClean="0"/>
+              <a:rPr lang="de-DE"/>
               <a:t>Formatvorlage des Untertitelmasters durch Klicken bearbeiten</a:t>
             </a:r>
-            <a:endParaRPr lang="de-DE"/>
           </a:p>
         </p:txBody>
       </p:sp>
@@ -5562,10 +5560,9 @@
           <a:lstStyle/>
           <a:p>
             <a:r>
-              <a:rPr lang="de-DE" smtClean="0"/>
+              <a:rPr lang="de-DE"/>
               <a:t>Titelmasterformat durch Klicken bearbeiten</a:t>
             </a:r>
-            <a:endParaRPr lang="de-DE"/>
           </a:p>
         </p:txBody>
       </p:sp>
@@ -5586,38 +5583,37 @@
           <a:p>
             <a:pPr lvl="0"/>
             <a:r>
-              <a:rPr lang="de-DE" smtClean="0"/>
+              <a:rPr lang="de-DE"/>
               <a:t>Textmasterformate durch Klicken bearbeiten</a:t>
             </a:r>
           </a:p>
           <a:p>
             <a:pPr lvl="1"/>
             <a:r>
-              <a:rPr lang="de-DE" smtClean="0"/>
+              <a:rPr lang="de-DE"/>
               <a:t>Zweite Ebene</a:t>
             </a:r>
           </a:p>
           <a:p>
             <a:pPr lvl="2"/>
             <a:r>
-              <a:rPr lang="de-DE" smtClean="0"/>
+              <a:rPr lang="de-DE"/>
               <a:t>Dritte Ebene</a:t>
             </a:r>
           </a:p>
           <a:p>
             <a:pPr lvl="3"/>
             <a:r>
-              <a:rPr lang="de-DE" smtClean="0"/>
+              <a:rPr lang="de-DE"/>
               <a:t>Vierte Ebene</a:t>
             </a:r>
           </a:p>
           <a:p>
             <a:pPr lvl="4"/>
             <a:r>
-              <a:rPr lang="de-DE" smtClean="0"/>
+              <a:rPr lang="de-DE"/>
               <a:t>Fünfte Ebene</a:t>
             </a:r>
-            <a:endParaRPr lang="de-DE"/>
           </a:p>
         </p:txBody>
       </p:sp>
@@ -5741,10 +5737,9 @@
           <a:lstStyle/>
           <a:p>
             <a:r>
-              <a:rPr lang="de-DE" smtClean="0"/>
+              <a:rPr lang="de-DE"/>
               <a:t>Titelmasterformat durch Klicken bearbeiten</a:t>
             </a:r>
-            <a:endParaRPr lang="de-DE"/>
           </a:p>
         </p:txBody>
       </p:sp>
@@ -5770,38 +5765,37 @@
           <a:p>
             <a:pPr lvl="0"/>
             <a:r>
-              <a:rPr lang="de-DE" smtClean="0"/>
+              <a:rPr lang="de-DE"/>
               <a:t>Textmasterformate durch Klicken bearbeiten</a:t>
             </a:r>
           </a:p>
           <a:p>
             <a:pPr lvl="1"/>
             <a:r>
-              <a:rPr lang="de-DE" smtClean="0"/>
+              <a:rPr lang="de-DE"/>
               <a:t>Zweite Ebene</a:t>
             </a:r>
           </a:p>
           <a:p>
             <a:pPr lvl="2"/>
             <a:r>
-              <a:rPr lang="de-DE" smtClean="0"/>
+              <a:rPr lang="de-DE"/>
               <a:t>Dritte Ebene</a:t>
             </a:r>
           </a:p>
           <a:p>
             <a:pPr lvl="3"/>
             <a:r>
-              <a:rPr lang="de-DE" smtClean="0"/>
+              <a:rPr lang="de-DE"/>
               <a:t>Vierte Ebene</a:t>
             </a:r>
           </a:p>
           <a:p>
             <a:pPr lvl="4"/>
             <a:r>
-              <a:rPr lang="de-DE" smtClean="0"/>
+              <a:rPr lang="de-DE"/>
               <a:t>Fünfte Ebene</a:t>
             </a:r>
-            <a:endParaRPr lang="de-DE"/>
           </a:p>
         </p:txBody>
       </p:sp>
@@ -5925,10 +5919,9 @@
           <a:lstStyle/>
           <a:p>
             <a:r>
-              <a:rPr lang="de-DE" smtClean="0"/>
+              <a:rPr lang="de-DE"/>
               <a:t>Titelmasterformat durch Klicken bearbeiten</a:t>
             </a:r>
-            <a:endParaRPr lang="de-DE"/>
           </a:p>
         </p:txBody>
       </p:sp>
@@ -6062,10 +6055,9 @@
           <a:lstStyle/>
           <a:p>
             <a:r>
-              <a:rPr lang="de-DE" smtClean="0"/>
+              <a:rPr lang="de-DE"/>
               <a:t>Titelmasterformat durch Klicken bearbeiten</a:t>
             </a:r>
-            <a:endParaRPr lang="de-DE"/>
           </a:p>
         </p:txBody>
       </p:sp>
@@ -6086,38 +6078,37 @@
           <a:p>
             <a:pPr lvl="0"/>
             <a:r>
-              <a:rPr lang="de-DE" smtClean="0"/>
+              <a:rPr lang="de-DE"/>
               <a:t>Textmasterformate durch Klicken bearbeiten</a:t>
             </a:r>
           </a:p>
           <a:p>
             <a:pPr lvl="1"/>
             <a:r>
-              <a:rPr lang="de-DE" smtClean="0"/>
+              <a:rPr lang="de-DE"/>
               <a:t>Zweite Ebene</a:t>
             </a:r>
           </a:p>
           <a:p>
             <a:pPr lvl="2"/>
             <a:r>
-              <a:rPr lang="de-DE" smtClean="0"/>
+              <a:rPr lang="de-DE"/>
               <a:t>Dritte Ebene</a:t>
             </a:r>
           </a:p>
           <a:p>
             <a:pPr lvl="3"/>
             <a:r>
-              <a:rPr lang="de-DE" smtClean="0"/>
+              <a:rPr lang="de-DE"/>
               <a:t>Vierte Ebene</a:t>
             </a:r>
           </a:p>
           <a:p>
             <a:pPr lvl="4"/>
             <a:r>
-              <a:rPr lang="de-DE" smtClean="0"/>
+              <a:rPr lang="de-DE"/>
               <a:t>Fünfte Ebene</a:t>
             </a:r>
-            <a:endParaRPr lang="de-DE"/>
           </a:p>
         </p:txBody>
       </p:sp>
@@ -6245,10 +6236,9 @@
           </a:lstStyle>
           <a:p>
             <a:r>
-              <a:rPr lang="de-DE" smtClean="0"/>
+              <a:rPr lang="de-DE"/>
               <a:t>Titelmasterformat durch Klicken bearbeiten</a:t>
             </a:r>
-            <a:endParaRPr lang="de-DE"/>
           </a:p>
         </p:txBody>
       </p:sp>
@@ -6311,7 +6301,7 @@
           <a:p>
             <a:pPr lvl="0"/>
             <a:r>
-              <a:rPr lang="de-DE" smtClean="0"/>
+              <a:rPr lang="de-DE"/>
               <a:t>Textmasterformate durch Klicken bearbeiten</a:t>
             </a:r>
           </a:p>
@@ -6432,10 +6422,9 @@
           <a:lstStyle/>
           <a:p>
             <a:r>
-              <a:rPr lang="de-DE" smtClean="0"/>
+              <a:rPr lang="de-DE"/>
               <a:t>Titelmasterformat durch Klicken bearbeiten</a:t>
             </a:r>
-            <a:endParaRPr lang="de-DE"/>
           </a:p>
         </p:txBody>
       </p:sp>
@@ -6489,38 +6478,37 @@
           <a:p>
             <a:pPr lvl="0"/>
             <a:r>
-              <a:rPr lang="de-DE" smtClean="0"/>
+              <a:rPr lang="de-DE"/>
               <a:t>Textmasterformate durch Klicken bearbeiten</a:t>
             </a:r>
           </a:p>
           <a:p>
             <a:pPr lvl="1"/>
             <a:r>
-              <a:rPr lang="de-DE" smtClean="0"/>
+              <a:rPr lang="de-DE"/>
               <a:t>Zweite Ebene</a:t>
             </a:r>
           </a:p>
           <a:p>
             <a:pPr lvl="2"/>
             <a:r>
-              <a:rPr lang="de-DE" smtClean="0"/>
+              <a:rPr lang="de-DE"/>
               <a:t>Dritte Ebene</a:t>
             </a:r>
           </a:p>
           <a:p>
             <a:pPr lvl="3"/>
             <a:r>
-              <a:rPr lang="de-DE" smtClean="0"/>
+              <a:rPr lang="de-DE"/>
               <a:t>Vierte Ebene</a:t>
             </a:r>
           </a:p>
           <a:p>
             <a:pPr lvl="4"/>
             <a:r>
-              <a:rPr lang="de-DE" smtClean="0"/>
+              <a:rPr lang="de-DE"/>
               <a:t>Fünfte Ebene</a:t>
             </a:r>
-            <a:endParaRPr lang="de-DE"/>
           </a:p>
         </p:txBody>
       </p:sp>
@@ -6574,38 +6562,37 @@
           <a:p>
             <a:pPr lvl="0"/>
             <a:r>
-              <a:rPr lang="de-DE" smtClean="0"/>
+              <a:rPr lang="de-DE"/>
               <a:t>Textmasterformate durch Klicken bearbeiten</a:t>
             </a:r>
           </a:p>
           <a:p>
             <a:pPr lvl="1"/>
             <a:r>
-              <a:rPr lang="de-DE" smtClean="0"/>
+              <a:rPr lang="de-DE"/>
               <a:t>Zweite Ebene</a:t>
             </a:r>
           </a:p>
           <a:p>
             <a:pPr lvl="2"/>
             <a:r>
-              <a:rPr lang="de-DE" smtClean="0"/>
+              <a:rPr lang="de-DE"/>
               <a:t>Dritte Ebene</a:t>
             </a:r>
           </a:p>
           <a:p>
             <a:pPr lvl="3"/>
             <a:r>
-              <a:rPr lang="de-DE" smtClean="0"/>
+              <a:rPr lang="de-DE"/>
               <a:t>Vierte Ebene</a:t>
             </a:r>
           </a:p>
           <a:p>
             <a:pPr lvl="4"/>
             <a:r>
-              <a:rPr lang="de-DE" smtClean="0"/>
+              <a:rPr lang="de-DE"/>
               <a:t>Fünfte Ebene</a:t>
             </a:r>
-            <a:endParaRPr lang="de-DE"/>
           </a:p>
         </p:txBody>
       </p:sp>
@@ -6733,10 +6720,9 @@
           </a:lstStyle>
           <a:p>
             <a:r>
-              <a:rPr lang="de-DE" smtClean="0"/>
+              <a:rPr lang="de-DE"/>
               <a:t>Titelmasterformat durch Klicken bearbeiten</a:t>
             </a:r>
-            <a:endParaRPr lang="de-DE"/>
           </a:p>
         </p:txBody>
       </p:sp>
@@ -6799,7 +6785,7 @@
           <a:p>
             <a:pPr lvl="0"/>
             <a:r>
-              <a:rPr lang="de-DE" smtClean="0"/>
+              <a:rPr lang="de-DE"/>
               <a:t>Textmasterformate durch Klicken bearbeiten</a:t>
             </a:r>
           </a:p>
@@ -6855,38 +6841,37 @@
           <a:p>
             <a:pPr lvl="0"/>
             <a:r>
-              <a:rPr lang="de-DE" smtClean="0"/>
+              <a:rPr lang="de-DE"/>
               <a:t>Textmasterformate durch Klicken bearbeiten</a:t>
             </a:r>
           </a:p>
           <a:p>
             <a:pPr lvl="1"/>
             <a:r>
-              <a:rPr lang="de-DE" smtClean="0"/>
+              <a:rPr lang="de-DE"/>
               <a:t>Zweite Ebene</a:t>
             </a:r>
           </a:p>
           <a:p>
             <a:pPr lvl="2"/>
             <a:r>
-              <a:rPr lang="de-DE" smtClean="0"/>
+              <a:rPr lang="de-DE"/>
               <a:t>Dritte Ebene</a:t>
             </a:r>
           </a:p>
           <a:p>
             <a:pPr lvl="3"/>
             <a:r>
-              <a:rPr lang="de-DE" smtClean="0"/>
+              <a:rPr lang="de-DE"/>
               <a:t>Vierte Ebene</a:t>
             </a:r>
           </a:p>
           <a:p>
             <a:pPr lvl="4"/>
             <a:r>
-              <a:rPr lang="de-DE" smtClean="0"/>
+              <a:rPr lang="de-DE"/>
               <a:t>Fünfte Ebene</a:t>
             </a:r>
-            <a:endParaRPr lang="de-DE"/>
           </a:p>
         </p:txBody>
       </p:sp>
@@ -6949,7 +6934,7 @@
           <a:p>
             <a:pPr lvl="0"/>
             <a:r>
-              <a:rPr lang="de-DE" smtClean="0"/>
+              <a:rPr lang="de-DE"/>
               <a:t>Textmasterformate durch Klicken bearbeiten</a:t>
             </a:r>
           </a:p>
@@ -7005,38 +6990,37 @@
           <a:p>
             <a:pPr lvl="0"/>
             <a:r>
-              <a:rPr lang="de-DE" smtClean="0"/>
+              <a:rPr lang="de-DE"/>
               <a:t>Textmasterformate durch Klicken bearbeiten</a:t>
             </a:r>
           </a:p>
           <a:p>
             <a:pPr lvl="1"/>
             <a:r>
-              <a:rPr lang="de-DE" smtClean="0"/>
+              <a:rPr lang="de-DE"/>
               <a:t>Zweite Ebene</a:t>
             </a:r>
           </a:p>
           <a:p>
             <a:pPr lvl="2"/>
             <a:r>
-              <a:rPr lang="de-DE" smtClean="0"/>
+              <a:rPr lang="de-DE"/>
               <a:t>Dritte Ebene</a:t>
             </a:r>
           </a:p>
           <a:p>
             <a:pPr lvl="3"/>
             <a:r>
-              <a:rPr lang="de-DE" smtClean="0"/>
+              <a:rPr lang="de-DE"/>
               <a:t>Vierte Ebene</a:t>
             </a:r>
           </a:p>
           <a:p>
             <a:pPr lvl="4"/>
             <a:r>
-              <a:rPr lang="de-DE" smtClean="0"/>
+              <a:rPr lang="de-DE"/>
               <a:t>Fünfte Ebene</a:t>
             </a:r>
-            <a:endParaRPr lang="de-DE"/>
           </a:p>
         </p:txBody>
       </p:sp>
@@ -7155,10 +7139,9 @@
           <a:lstStyle/>
           <a:p>
             <a:r>
-              <a:rPr lang="de-DE" smtClean="0"/>
+              <a:rPr lang="de-DE"/>
               <a:t>Titelmasterformat durch Klicken bearbeiten</a:t>
             </a:r>
-            <a:endParaRPr lang="de-DE"/>
           </a:p>
         </p:txBody>
       </p:sp>
@@ -7385,10 +7368,9 @@
           </a:lstStyle>
           <a:p>
             <a:r>
-              <a:rPr lang="de-DE" smtClean="0"/>
+              <a:rPr lang="de-DE"/>
               <a:t>Titelmasterformat durch Klicken bearbeiten</a:t>
             </a:r>
-            <a:endParaRPr lang="de-DE"/>
           </a:p>
         </p:txBody>
       </p:sp>
@@ -7442,38 +7424,37 @@
           <a:p>
             <a:pPr lvl="0"/>
             <a:r>
-              <a:rPr lang="de-DE" smtClean="0"/>
+              <a:rPr lang="de-DE"/>
               <a:t>Textmasterformate durch Klicken bearbeiten</a:t>
             </a:r>
           </a:p>
           <a:p>
             <a:pPr lvl="1"/>
             <a:r>
-              <a:rPr lang="de-DE" smtClean="0"/>
+              <a:rPr lang="de-DE"/>
               <a:t>Zweite Ebene</a:t>
             </a:r>
           </a:p>
           <a:p>
             <a:pPr lvl="2"/>
             <a:r>
-              <a:rPr lang="de-DE" smtClean="0"/>
+              <a:rPr lang="de-DE"/>
               <a:t>Dritte Ebene</a:t>
             </a:r>
           </a:p>
           <a:p>
             <a:pPr lvl="3"/>
             <a:r>
-              <a:rPr lang="de-DE" smtClean="0"/>
+              <a:rPr lang="de-DE"/>
               <a:t>Vierte Ebene</a:t>
             </a:r>
           </a:p>
           <a:p>
             <a:pPr lvl="4"/>
             <a:r>
-              <a:rPr lang="de-DE" smtClean="0"/>
+              <a:rPr lang="de-DE"/>
               <a:t>Fünfte Ebene</a:t>
             </a:r>
-            <a:endParaRPr lang="de-DE"/>
           </a:p>
         </p:txBody>
       </p:sp>
@@ -7536,7 +7517,7 @@
           <a:p>
             <a:pPr lvl="0"/>
             <a:r>
-              <a:rPr lang="de-DE" smtClean="0"/>
+              <a:rPr lang="de-DE"/>
               <a:t>Textmasterformate durch Klicken bearbeiten</a:t>
             </a:r>
           </a:p>
@@ -7666,10 +7647,9 @@
           </a:lstStyle>
           <a:p>
             <a:r>
-              <a:rPr lang="de-DE" smtClean="0"/>
+              <a:rPr lang="de-DE"/>
               <a:t>Titelmasterformat durch Klicken bearbeiten</a:t>
             </a:r>
-            <a:endParaRPr lang="de-DE"/>
           </a:p>
         </p:txBody>
       </p:sp>
@@ -7793,7 +7773,7 @@
           <a:p>
             <a:pPr lvl="0"/>
             <a:r>
-              <a:rPr lang="de-DE" smtClean="0"/>
+              <a:rPr lang="de-DE"/>
               <a:t>Textmasterformate durch Klicken bearbeiten</a:t>
             </a:r>
           </a:p>
@@ -7943,7 +7923,7 @@
           <a:p>
             <a:pPr lvl="0"/>
             <a:r>
-              <a:rPr lang="en-GB" smtClean="0"/>
+              <a:rPr lang="en-GB"/>
               <a:t>Klicken Sie, um das Format des Titeltextes zu bearbeiten</a:t>
             </a:r>
           </a:p>
@@ -7986,63 +7966,63 @@
           <a:p>
             <a:pPr lvl="0"/>
             <a:r>
-              <a:rPr lang="en-GB" smtClean="0"/>
+              <a:rPr lang="en-GB"/>
               <a:t>Klicken Sie, um die Formate des Gliederungstextes zu bearbeiten</a:t>
             </a:r>
           </a:p>
           <a:p>
             <a:pPr lvl="1"/>
             <a:r>
-              <a:rPr lang="en-GB" smtClean="0"/>
+              <a:rPr lang="en-GB"/>
               <a:t>Zweite Gliederungsebene</a:t>
             </a:r>
           </a:p>
           <a:p>
             <a:pPr lvl="2"/>
             <a:r>
-              <a:rPr lang="en-GB" smtClean="0"/>
+              <a:rPr lang="en-GB"/>
               <a:t>Dritte Gliederungsebene</a:t>
             </a:r>
           </a:p>
           <a:p>
             <a:pPr lvl="3"/>
             <a:r>
-              <a:rPr lang="en-GB" smtClean="0"/>
+              <a:rPr lang="en-GB"/>
               <a:t>Vierte Gliederungsebene</a:t>
             </a:r>
           </a:p>
           <a:p>
             <a:pPr lvl="4"/>
             <a:r>
-              <a:rPr lang="en-GB" smtClean="0"/>
+              <a:rPr lang="en-GB"/>
               <a:t>Fünfte Gliederungsebene</a:t>
             </a:r>
           </a:p>
           <a:p>
             <a:pPr lvl="4"/>
             <a:r>
-              <a:rPr lang="en-GB" smtClean="0"/>
+              <a:rPr lang="en-GB"/>
               <a:t>Sechste Gliederungsebene</a:t>
             </a:r>
           </a:p>
           <a:p>
             <a:pPr lvl="4"/>
             <a:r>
-              <a:rPr lang="en-GB" smtClean="0"/>
+              <a:rPr lang="en-GB"/>
               <a:t>Siebente Gliederungsebene</a:t>
             </a:r>
           </a:p>
           <a:p>
             <a:pPr lvl="4"/>
             <a:r>
-              <a:rPr lang="en-GB" smtClean="0"/>
+              <a:rPr lang="en-GB"/>
               <a:t>Achte Gliederungsebene</a:t>
             </a:r>
           </a:p>
           <a:p>
             <a:pPr lvl="4"/>
             <a:r>
-              <a:rPr lang="en-GB" smtClean="0"/>
+              <a:rPr lang="en-GB"/>
               <a:t>Neunte Gliederungsebene</a:t>
             </a:r>
           </a:p>
@@ -10760,34 +10740,30 @@
             </a:pPr>
             <a:r>
               <a:rPr lang="de-DE" sz="2400" dirty="0"/>
-              <a:t>wurde</a:t>
-            </a:r>
-            <a:r>
-              <a:rPr lang="de-DE" sz="2400" dirty="0" smtClean="0"/>
-              <a:t>.</a:t>
-            </a:r>
-          </a:p>
-          <a:p>
-            <a:pPr marL="269875" indent="-269875">
-              <a:spcAft>
-                <a:spcPct val="0"/>
-              </a:spcAft>
-              <a:tabLst>
-                <a:tab pos="723900" algn="l"/>
-                <a:tab pos="1447800" algn="l"/>
-                <a:tab pos="2171700" algn="l"/>
-                <a:tab pos="2895600" algn="l"/>
-                <a:tab pos="3619500" algn="l"/>
-                <a:tab pos="4343400" algn="l"/>
-                <a:tab pos="5067300" algn="l"/>
-                <a:tab pos="5791200" algn="l"/>
-                <a:tab pos="6515100" algn="l"/>
-                <a:tab pos="7239000" algn="l"/>
-                <a:tab pos="7962900" algn="l"/>
-                <a:tab pos="8686800" algn="l"/>
-              </a:tabLst>
-            </a:pPr>
-            <a:endParaRPr lang="de-DE" sz="2400" dirty="0" smtClean="0">
+              <a:t>wurde.</a:t>
+            </a:r>
+          </a:p>
+          <a:p>
+            <a:pPr marL="269875" indent="-269875">
+              <a:spcAft>
+                <a:spcPct val="0"/>
+              </a:spcAft>
+              <a:tabLst>
+                <a:tab pos="723900" algn="l"/>
+                <a:tab pos="1447800" algn="l"/>
+                <a:tab pos="2171700" algn="l"/>
+                <a:tab pos="2895600" algn="l"/>
+                <a:tab pos="3619500" algn="l"/>
+                <a:tab pos="4343400" algn="l"/>
+                <a:tab pos="5067300" algn="l"/>
+                <a:tab pos="5791200" algn="l"/>
+                <a:tab pos="6515100" algn="l"/>
+                <a:tab pos="7239000" algn="l"/>
+                <a:tab pos="7962900" algn="l"/>
+                <a:tab pos="8686800" algn="l"/>
+              </a:tabLst>
+            </a:pPr>
+            <a:endParaRPr lang="de-DE" sz="2400" dirty="0">
               <a:hlinkClick r:id="rId3"/>
             </a:endParaRPr>
           </a:p>
@@ -10811,17 +10787,11 @@
                 <a:tab pos="8686800" algn="l"/>
               </a:tabLst>
             </a:pPr>
-            <a:r>
-              <a:rPr lang="de-DE" sz="2400" dirty="0" smtClean="0">
-                <a:hlinkClick r:id="rId3"/>
-              </a:rPr>
-              <a:t>https</a:t>
-            </a:r>
             <a:r>
               <a:rPr lang="de-DE" sz="2400" dirty="0">
                 <a:hlinkClick r:id="rId3"/>
               </a:rPr>
-              <a:t>://github.com/nordakademie-einfuehrung-java/uebung_5_0</a:t>
+              <a:t>https://github.com/nordakademie-einfuehrung-java/uebung_5_0</a:t>
             </a:r>
             <a:endParaRPr lang="de-DE" sz="2400" dirty="0"/>
           </a:p>
@@ -11139,10 +11109,6 @@
             <a:br>
               <a:rPr lang="de-DE" sz="2800" dirty="0"/>
             </a:br>
-            <a:r>
-              <a:rPr lang="de-DE" sz="2800" dirty="0"/>
-              <a:t/>
-            </a:r>
             <a:br>
               <a:rPr lang="de-DE" sz="2800" dirty="0"/>
             </a:br>
@@ -11604,10 +11570,6 @@
             <a:br>
               <a:rPr lang="de-DE" sz="2800"/>
             </a:br>
-            <a:r>
-              <a:rPr lang="de-DE" sz="2800"/>
-              <a:t/>
-            </a:r>
             <a:br>
               <a:rPr lang="de-DE" sz="2800"/>
             </a:br>
@@ -11635,10 +11597,6 @@
             <a:br>
               <a:rPr lang="de-DE" sz="2800"/>
             </a:br>
-            <a:r>
-              <a:rPr lang="de-DE" sz="2800"/>
-              <a:t/>
-            </a:r>
             <a:br>
               <a:rPr lang="de-DE" sz="2800"/>
             </a:br>
@@ -14677,7 +14635,7 @@
               </a:tabLst>
             </a:pPr>
             <a:r>
-              <a:rPr lang="de-DE" sz="4000" dirty="0" smtClean="0">
+              <a:rPr lang="de-DE" sz="4000" dirty="0">
                 <a:solidFill>
                   <a:srgbClr val="FFFFFF"/>
                 </a:solidFill>
@@ -14685,7 +14643,7 @@
               <a:t>Veraltete </a:t>
             </a:r>
             <a:r>
-              <a:rPr lang="de-DE" sz="4000" dirty="0" err="1" smtClean="0">
+              <a:rPr lang="de-DE" sz="4000" dirty="0" err="1">
                 <a:solidFill>
                   <a:srgbClr val="FFFFFF"/>
                 </a:solidFill>
@@ -14693,7 +14651,7 @@
               <a:t>Forks</a:t>
             </a:r>
             <a:r>
-              <a:rPr lang="de-DE" sz="4000" dirty="0" smtClean="0">
+              <a:rPr lang="de-DE" sz="4000" dirty="0">
                 <a:solidFill>
                   <a:srgbClr val="FFFFFF"/>
                 </a:solidFill>
@@ -14701,7 +14659,7 @@
               <a:t> vom </a:t>
             </a:r>
             <a:r>
-              <a:rPr lang="de-DE" sz="4000" dirty="0" err="1" smtClean="0">
+              <a:rPr lang="de-DE" sz="4000" dirty="0" err="1">
                 <a:solidFill>
                   <a:srgbClr val="FFFFFF"/>
                 </a:solidFill>
@@ -14709,18 +14667,13 @@
               <a:t>GitHub</a:t>
             </a:r>
             <a:r>
-              <a:rPr lang="de-DE" sz="4000" dirty="0" smtClean="0">
+              <a:rPr lang="de-DE" sz="4000" dirty="0">
                 <a:solidFill>
                   <a:srgbClr val="FFFFFF"/>
                 </a:solidFill>
               </a:rPr>
               <a:t>-Ursprung</a:t>
             </a:r>
-            <a:endParaRPr lang="de-DE" sz="4000" dirty="0">
-              <a:solidFill>
-                <a:srgbClr val="FFFFFF"/>
-              </a:solidFill>
-            </a:endParaRPr>
           </a:p>
         </p:txBody>
       </p:sp>
@@ -14769,15 +14722,15 @@
               </a:tabLst>
             </a:pPr>
             <a:r>
-              <a:rPr lang="de-DE" sz="2800" dirty="0" smtClean="0"/>
+              <a:rPr lang="de-DE" sz="2800" dirty="0"/>
               <a:t>Wie kann ein </a:t>
             </a:r>
             <a:r>
-              <a:rPr lang="de-DE" sz="2800" dirty="0" err="1" smtClean="0"/>
+              <a:rPr lang="de-DE" sz="2800" dirty="0" err="1"/>
               <a:t>Fork</a:t>
             </a:r>
             <a:r>
-              <a:rPr lang="de-DE" sz="2800" dirty="0" smtClean="0"/>
+              <a:rPr lang="de-DE" sz="2800" dirty="0"/>
               <a:t> veralten? Häufigste Ursache:</a:t>
             </a:r>
           </a:p>
@@ -14805,7 +14758,7 @@
               </a:tabLst>
             </a:pPr>
             <a:r>
-              <a:rPr lang="de-DE" sz="2800" dirty="0" smtClean="0"/>
+              <a:rPr lang="de-DE" sz="2800" dirty="0"/>
               <a:t>Der Dozent aktualisiert die Aufgabe oder Musterlösung</a:t>
             </a:r>
           </a:p>
@@ -14833,31 +14786,31 @@
               </a:tabLst>
             </a:pPr>
             <a:r>
-              <a:rPr lang="de-DE" sz="2800" dirty="0" smtClean="0"/>
+              <a:rPr lang="de-DE" sz="2800" dirty="0"/>
               <a:t>Damit sind alle </a:t>
             </a:r>
             <a:r>
-              <a:rPr lang="de-DE" sz="2800" i="1" dirty="0" smtClean="0"/>
+              <a:rPr lang="de-DE" sz="2800" i="1" dirty="0"/>
               <a:t>vor</a:t>
             </a:r>
             <a:r>
-              <a:rPr lang="de-DE" sz="2800" dirty="0" smtClean="0"/>
+              <a:rPr lang="de-DE" sz="2800" dirty="0"/>
               <a:t> der letzten Änderung </a:t>
             </a:r>
             <a:r>
-              <a:rPr lang="de-DE" sz="2800" dirty="0" err="1" smtClean="0"/>
+              <a:rPr lang="de-DE" sz="2800" dirty="0" err="1"/>
               <a:t>geforkten</a:t>
             </a:r>
             <a:r>
-              <a:rPr lang="de-DE" sz="2800" dirty="0" smtClean="0"/>
+              <a:rPr lang="de-DE" sz="2800" dirty="0"/>
               <a:t> </a:t>
             </a:r>
             <a:r>
-              <a:rPr lang="de-DE" sz="2800" dirty="0" err="1" smtClean="0"/>
+              <a:rPr lang="de-DE" sz="2800" dirty="0" err="1"/>
               <a:t>Repositories</a:t>
             </a:r>
             <a:r>
-              <a:rPr lang="de-DE" sz="2800" dirty="0" smtClean="0"/>
+              <a:rPr lang="de-DE" sz="2800" dirty="0"/>
               <a:t> einen (oder mehr) Commit(s) „hinterher“</a:t>
             </a:r>
           </a:p>
@@ -14884,7 +14837,7 @@
                 <a:tab pos="8686800" algn="l"/>
               </a:tabLst>
             </a:pPr>
-            <a:endParaRPr lang="de-DE" sz="2800" dirty="0" smtClean="0"/>
+            <a:endParaRPr lang="de-DE" sz="2800" dirty="0"/>
           </a:p>
           <a:p>
             <a:pPr marL="0" indent="0">
@@ -14908,10 +14861,9 @@
               </a:tabLst>
             </a:pPr>
             <a:r>
-              <a:rPr lang="de-DE" sz="2800" dirty="0" smtClean="0"/>
+              <a:rPr lang="de-DE" sz="2800" dirty="0"/>
               <a:t>Was kann das für Probleme machen?</a:t>
             </a:r>
-            <a:endParaRPr lang="de-DE" sz="2800" dirty="0"/>
           </a:p>
           <a:p>
             <a:pPr marL="269875" indent="-269875">
@@ -14937,7 +14889,7 @@
               </a:tabLst>
             </a:pPr>
             <a:r>
-              <a:rPr lang="de-DE" sz="2800" dirty="0" smtClean="0"/>
+              <a:rPr lang="de-DE" sz="2800" dirty="0"/>
               <a:t>Sie verpassen ggf. wichtige Korrekturen z.B. im Skript</a:t>
             </a:r>
           </a:p>
@@ -14965,52 +14917,52 @@
               </a:tabLst>
             </a:pPr>
             <a:r>
-              <a:rPr lang="de-DE" sz="2800" dirty="0" smtClean="0"/>
+              <a:rPr lang="de-DE" sz="2800" dirty="0"/>
               <a:t>Es lassen sich keine Pull </a:t>
             </a:r>
             <a:r>
-              <a:rPr lang="de-DE" sz="2800" dirty="0" err="1" smtClean="0"/>
+              <a:rPr lang="de-DE" sz="2800" dirty="0" err="1"/>
               <a:t>Requests</a:t>
             </a:r>
             <a:r>
-              <a:rPr lang="de-DE" sz="2800" dirty="0" smtClean="0"/>
+              <a:rPr lang="de-DE" sz="2800" dirty="0"/>
               <a:t> zur Kontrolle stellen</a:t>
             </a:r>
             <a:br>
-              <a:rPr lang="de-DE" sz="2800" dirty="0" smtClean="0"/>
+              <a:rPr lang="de-DE" sz="2800" dirty="0"/>
             </a:br>
-            <a:endParaRPr lang="de-DE" sz="2800" dirty="0" smtClean="0"/>
-          </a:p>
-          <a:p>
-            <a:pPr marL="269875" indent="-269875">
-              <a:spcAft>
-                <a:spcPct val="0"/>
-              </a:spcAft>
-              <a:tabLst>
-                <a:tab pos="723900" algn="l"/>
-                <a:tab pos="1447800" algn="l"/>
-                <a:tab pos="2171700" algn="l"/>
-                <a:tab pos="2895600" algn="l"/>
-                <a:tab pos="3619500" algn="l"/>
-                <a:tab pos="4343400" algn="l"/>
-                <a:tab pos="5067300" algn="l"/>
-                <a:tab pos="5791200" algn="l"/>
-                <a:tab pos="6515100" algn="l"/>
-                <a:tab pos="7239000" algn="l"/>
-                <a:tab pos="7962900" algn="l"/>
-                <a:tab pos="8686800" algn="l"/>
-              </a:tabLst>
-            </a:pPr>
-            <a:r>
-              <a:rPr lang="de-DE" sz="2800" dirty="0" smtClean="0"/>
+            <a:endParaRPr lang="de-DE" sz="2800" dirty="0"/>
+          </a:p>
+          <a:p>
+            <a:pPr marL="269875" indent="-269875">
+              <a:spcAft>
+                <a:spcPct val="0"/>
+              </a:spcAft>
+              <a:tabLst>
+                <a:tab pos="723900" algn="l"/>
+                <a:tab pos="1447800" algn="l"/>
+                <a:tab pos="2171700" algn="l"/>
+                <a:tab pos="2895600" algn="l"/>
+                <a:tab pos="3619500" algn="l"/>
+                <a:tab pos="4343400" algn="l"/>
+                <a:tab pos="5067300" algn="l"/>
+                <a:tab pos="5791200" algn="l"/>
+                <a:tab pos="6515100" algn="l"/>
+                <a:tab pos="7239000" algn="l"/>
+                <a:tab pos="7962900" algn="l"/>
+                <a:tab pos="8686800" algn="l"/>
+              </a:tabLst>
+            </a:pPr>
+            <a:r>
+              <a:rPr lang="de-DE" sz="2800" dirty="0"/>
               <a:t>Bisher empfohlenes Vorgehen bei veraltetem </a:t>
             </a:r>
             <a:r>
-              <a:rPr lang="de-DE" sz="2800" dirty="0" err="1" smtClean="0"/>
+              <a:rPr lang="de-DE" sz="2800" dirty="0" err="1"/>
               <a:t>Fork</a:t>
             </a:r>
             <a:r>
-              <a:rPr lang="de-DE" sz="2800" dirty="0" smtClean="0"/>
+              <a:rPr lang="de-DE" sz="2800" dirty="0"/>
               <a:t>:</a:t>
             </a:r>
           </a:p>
@@ -15038,23 +14990,23 @@
               </a:tabLst>
             </a:pPr>
             <a:r>
-              <a:rPr lang="de-DE" sz="2800" b="1" dirty="0" smtClean="0"/>
+              <a:rPr lang="de-DE" sz="2800" b="1" dirty="0"/>
               <a:t>Löschen Sie Ihren </a:t>
             </a:r>
             <a:r>
-              <a:rPr lang="de-DE" sz="2800" b="1" dirty="0" err="1" smtClean="0"/>
+              <a:rPr lang="de-DE" sz="2800" b="1" dirty="0" err="1"/>
               <a:t>Fork</a:t>
             </a:r>
             <a:r>
-              <a:rPr lang="de-DE" sz="2800" b="1" dirty="0" smtClean="0"/>
+              <a:rPr lang="de-DE" sz="2800" b="1" dirty="0"/>
               <a:t> und </a:t>
             </a:r>
             <a:r>
-              <a:rPr lang="de-DE" sz="2800" b="1" dirty="0" err="1" smtClean="0"/>
+              <a:rPr lang="de-DE" sz="2800" b="1" dirty="0" err="1"/>
               <a:t>forken</a:t>
             </a:r>
             <a:r>
-              <a:rPr lang="de-DE" sz="2800" b="1" dirty="0" smtClean="0"/>
+              <a:rPr lang="de-DE" sz="2800" b="1" dirty="0"/>
               <a:t> Sie neu!</a:t>
             </a:r>
           </a:p>
@@ -15083,13 +15035,8 @@
             </a:pPr>
             <a:r>
               <a:rPr lang="de-DE" dirty="0"/>
-              <a:t>Dabei verlieren Sie eventuell </a:t>
-            </a:r>
-            <a:r>
-              <a:rPr lang="de-DE" dirty="0" smtClean="0"/>
-              <a:t>sogar eigene Änderungen!!!</a:t>
-            </a:r>
-            <a:endParaRPr lang="de-DE" dirty="0"/>
+              <a:t>Dabei verlieren Sie eventuell sogar eigene Änderungen!!!</a:t>
+            </a:r>
           </a:p>
         </p:txBody>
       </p:sp>
@@ -15918,10 +15865,6 @@
             <a:br>
               <a:rPr lang="de-DE" sz="2600"/>
             </a:br>
-            <a:r>
-              <a:rPr lang="de-DE" sz="2600"/>
-              <a:t/>
-            </a:r>
             <a:br>
               <a:rPr lang="de-DE" sz="2600"/>
             </a:br>
@@ -15994,10 +15937,6 @@
             <a:br>
               <a:rPr lang="de-DE" sz="2600"/>
             </a:br>
-            <a:r>
-              <a:rPr lang="de-DE" sz="2600"/>
-              <a:t/>
-            </a:r>
             <a:br>
               <a:rPr lang="de-DE" sz="2600"/>
             </a:br>
@@ -16359,10 +16298,6 @@
             <a:br>
               <a:rPr lang="de-DE" sz="2600"/>
             </a:br>
-            <a:r>
-              <a:rPr lang="de-DE" sz="2600"/>
-              <a:t/>
-            </a:r>
             <a:br>
               <a:rPr lang="de-DE" sz="2600"/>
             </a:br>
@@ -16394,10 +16329,6 @@
               </a:rPr>
               <a:t>boolean[] ...</a:t>
             </a:r>
-            <a:r>
-              <a:rPr lang="de-DE" sz="2600"/>
-              <a:t/>
-            </a:r>
             <a:br>
               <a:rPr lang="de-DE" sz="2600"/>
             </a:br>
@@ -16412,10 +16343,6 @@
                 <a:latin typeface="Courier New" pitchFamily="49" charset="0"/>
               </a:rPr>
             </a:br>
-            <a:r>
-              <a:rPr lang="de-DE" sz="2600"/>
-              <a:t/>
-            </a:r>
             <a:br>
               <a:rPr lang="de-DE" sz="2600"/>
             </a:br>
@@ -16451,10 +16378,6 @@
             <a:br>
               <a:rPr lang="de-DE" sz="2600"/>
             </a:br>
-            <a:r>
-              <a:rPr lang="de-DE" sz="2600"/>
-              <a:t/>
-            </a:r>
             <a:br>
               <a:rPr lang="de-DE" sz="2600"/>
             </a:br>
@@ -18444,7 +18367,7 @@
                 <a:tab pos="8686800" algn="l"/>
               </a:tabLst>
             </a:pPr>
-            <a:endParaRPr lang="de-DE" dirty="0" smtClean="0"/>
+            <a:endParaRPr lang="de-DE" dirty="0"/>
           </a:p>
           <a:p>
             <a:pPr marL="269875" indent="-269875">
@@ -18473,15 +18396,9 @@
               <a:rPr lang="de-DE" sz="2400" dirty="0">
                 <a:hlinkClick r:id="rId3"/>
               </a:rPr>
-              <a:t>https://</a:t>
-            </a:r>
-            <a:r>
-              <a:rPr lang="de-DE" sz="2400" dirty="0" smtClean="0">
-                <a:hlinkClick r:id="rId3"/>
-              </a:rPr>
-              <a:t>github.com/nordakademie-einfuehrung-java/uebung_5_0</a:t>
-            </a:r>
-            <a:endParaRPr lang="de-DE" sz="2400" dirty="0" smtClean="0"/>
+              <a:t>https://github.com/nordakademie-einfuehrung-java/uebung_5_0</a:t>
+            </a:r>
+            <a:endParaRPr lang="de-DE" sz="2400" dirty="0"/>
           </a:p>
         </p:txBody>
       </p:sp>
@@ -20488,7 +20405,7 @@
               </a:tabLst>
             </a:pPr>
             <a:r>
-              <a:rPr lang="de-DE" sz="4000" dirty="0" smtClean="0">
+              <a:rPr lang="de-DE" sz="4000" dirty="0">
                 <a:solidFill>
                   <a:srgbClr val="FFFFFF"/>
                 </a:solidFill>
@@ -20496,7 +20413,7 @@
               <a:t>Eigene </a:t>
             </a:r>
             <a:r>
-              <a:rPr lang="de-DE" sz="4000" dirty="0" err="1" smtClean="0">
+              <a:rPr lang="de-DE" sz="4000" dirty="0" err="1">
                 <a:solidFill>
                   <a:srgbClr val="FFFFFF"/>
                 </a:solidFill>
@@ -20504,18 +20421,13 @@
               <a:t>Forks</a:t>
             </a:r>
             <a:r>
-              <a:rPr lang="de-DE" sz="4000" dirty="0" smtClean="0">
+              <a:rPr lang="de-DE" sz="4000" dirty="0">
                 <a:solidFill>
                   <a:srgbClr val="FFFFFF"/>
                 </a:solidFill>
               </a:rPr>
               <a:t> aktuell halten (1)</a:t>
             </a:r>
-            <a:endParaRPr lang="de-DE" sz="4000" dirty="0">
-              <a:solidFill>
-                <a:srgbClr val="FFFFFF"/>
-              </a:solidFill>
-            </a:endParaRPr>
           </a:p>
         </p:txBody>
       </p:sp>
@@ -20564,7 +20476,7 @@
               </a:tabLst>
             </a:pPr>
             <a:r>
-              <a:rPr lang="de-DE" sz="2800" dirty="0" smtClean="0"/>
+              <a:rPr lang="de-DE" sz="2800" dirty="0"/>
               <a:t>Die elegante Alternative:</a:t>
             </a:r>
           </a:p>
@@ -20592,15 +20504,15 @@
               </a:tabLst>
             </a:pPr>
             <a:r>
-              <a:rPr lang="de-DE" sz="2800" b="1" dirty="0" smtClean="0"/>
+              <a:rPr lang="de-DE" sz="2800" b="1" dirty="0"/>
               <a:t>Regelmäßig den </a:t>
             </a:r>
             <a:r>
-              <a:rPr lang="de-DE" sz="2800" b="1" dirty="0" err="1" smtClean="0"/>
+              <a:rPr lang="de-DE" sz="2800" b="1" dirty="0" err="1"/>
               <a:t>Fork</a:t>
             </a:r>
             <a:r>
-              <a:rPr lang="de-DE" sz="2800" b="1" dirty="0" smtClean="0"/>
+              <a:rPr lang="de-DE" sz="2800" b="1" dirty="0"/>
               <a:t> aktualisieren!</a:t>
             </a:r>
           </a:p>
@@ -20627,7 +20539,7 @@
                 <a:tab pos="8686800" algn="l"/>
               </a:tabLst>
             </a:pPr>
-            <a:endParaRPr lang="de-DE" sz="2800" dirty="0" smtClean="0"/>
+            <a:endParaRPr lang="de-DE" sz="2800" dirty="0"/>
           </a:p>
           <a:p>
             <a:pPr marL="0" indent="0">
@@ -20651,10 +20563,9 @@
               </a:tabLst>
             </a:pPr>
             <a:r>
-              <a:rPr lang="de-DE" sz="2800" dirty="0" smtClean="0"/>
+              <a:rPr lang="de-DE" sz="2800" dirty="0"/>
               <a:t>Der Haken bei der Sache:</a:t>
             </a:r>
-            <a:endParaRPr lang="de-DE" sz="2800" dirty="0"/>
           </a:p>
           <a:p>
             <a:pPr marL="269875" indent="-269875">
@@ -20680,73 +20591,26 @@
               </a:tabLst>
             </a:pPr>
             <a:r>
-              <a:rPr lang="de-DE" sz="2800" dirty="0" smtClean="0"/>
+              <a:rPr lang="de-DE" sz="2800" dirty="0"/>
               <a:t>Das geht weder über </a:t>
             </a:r>
             <a:r>
-              <a:rPr lang="de-DE" sz="2800" dirty="0" smtClean="0">
+              <a:rPr lang="de-DE" sz="2800" dirty="0">
                 <a:hlinkClick r:id="rId3"/>
               </a:rPr>
               <a:t>www.github.com</a:t>
             </a:r>
             <a:r>
-              <a:rPr lang="de-DE" sz="2800" dirty="0" smtClean="0"/>
+              <a:rPr lang="de-DE" sz="2800" dirty="0"/>
               <a:t> noch in </a:t>
             </a:r>
             <a:r>
-              <a:rPr lang="de-DE" sz="2800" dirty="0" err="1" smtClean="0"/>
+              <a:rPr lang="de-DE" sz="2800" dirty="0" err="1"/>
               <a:t>Eclipse</a:t>
             </a:r>
             <a:r>
-              <a:rPr lang="de-DE" sz="2800" dirty="0" smtClean="0"/>
-              <a:t>!</a:t>
-            </a:r>
-          </a:p>
-          <a:p>
-            <a:pPr marL="269875" indent="-269875">
-              <a:spcAft>
-                <a:spcPct val="0"/>
-              </a:spcAft>
-              <a:tabLst>
-                <a:tab pos="723900" algn="l"/>
-                <a:tab pos="1447800" algn="l"/>
-                <a:tab pos="2171700" algn="l"/>
-                <a:tab pos="2895600" algn="l"/>
-                <a:tab pos="3619500" algn="l"/>
-                <a:tab pos="4343400" algn="l"/>
-                <a:tab pos="5067300" algn="l"/>
-                <a:tab pos="5791200" algn="l"/>
-                <a:tab pos="6515100" algn="l"/>
-                <a:tab pos="7239000" algn="l"/>
-                <a:tab pos="7962900" algn="l"/>
-                <a:tab pos="8686800" algn="l"/>
-              </a:tabLst>
-            </a:pPr>
-            <a:endParaRPr lang="de-DE" sz="2800" dirty="0" smtClean="0"/>
-          </a:p>
-          <a:p>
-            <a:pPr marL="269875" indent="-269875">
-              <a:spcAft>
-                <a:spcPct val="0"/>
-              </a:spcAft>
-              <a:tabLst>
-                <a:tab pos="723900" algn="l"/>
-                <a:tab pos="1447800" algn="l"/>
-                <a:tab pos="2171700" algn="l"/>
-                <a:tab pos="2895600" algn="l"/>
-                <a:tab pos="3619500" algn="l"/>
-                <a:tab pos="4343400" algn="l"/>
-                <a:tab pos="5067300" algn="l"/>
-                <a:tab pos="5791200" algn="l"/>
-                <a:tab pos="6515100" algn="l"/>
-                <a:tab pos="7239000" algn="l"/>
-                <a:tab pos="7962900" algn="l"/>
-                <a:tab pos="8686800" algn="l"/>
-              </a:tabLst>
-            </a:pPr>
-            <a:r>
-              <a:rPr lang="de-DE" sz="2800" dirty="0" smtClean="0"/>
-              <a:t>D.h. wohl oder übel: Ab auf die Kommandozeile!</a:t>
+              <a:rPr lang="de-DE" sz="2800" dirty="0"/>
+              <a:t> besonders komfortabel!</a:t>
             </a:r>
           </a:p>
           <a:p>
@@ -20770,6 +20634,35 @@
               </a:tabLst>
             </a:pPr>
             <a:endParaRPr lang="de-DE" sz="2800" dirty="0"/>
+          </a:p>
+          <a:p>
+            <a:pPr marL="269875" indent="-269875">
+              <a:spcAft>
+                <a:spcPct val="0"/>
+              </a:spcAft>
+              <a:tabLst>
+                <a:tab pos="723900" algn="l"/>
+                <a:tab pos="1447800" algn="l"/>
+                <a:tab pos="2171700" algn="l"/>
+                <a:tab pos="2895600" algn="l"/>
+                <a:tab pos="3619500" algn="l"/>
+                <a:tab pos="4343400" algn="l"/>
+                <a:tab pos="5067300" algn="l"/>
+                <a:tab pos="5791200" algn="l"/>
+                <a:tab pos="6515100" algn="l"/>
+                <a:tab pos="7239000" algn="l"/>
+                <a:tab pos="7962900" algn="l"/>
+                <a:tab pos="8686800" algn="l"/>
+              </a:tabLst>
+            </a:pPr>
+            <a:r>
+              <a:rPr lang="de-DE" sz="2800" dirty="0"/>
+              <a:t>D.h. wohl oder übel: </a:t>
+            </a:r>
+            <a:r>
+              <a:rPr lang="de-DE" sz="2800" b="1" dirty="0"/>
+              <a:t>Ab auf die Kommandozeile!</a:t>
+            </a:r>
           </a:p>
           <a:p>
             <a:pPr marL="269875" indent="-269875">
@@ -20795,26 +20688,26 @@
               </a:tabLst>
             </a:pPr>
             <a:r>
-              <a:rPr lang="de-DE" sz="2800" dirty="0" smtClean="0"/>
+              <a:rPr lang="de-DE" sz="2800" dirty="0"/>
               <a:t>Rufen Sie </a:t>
             </a:r>
             <a:r>
-              <a:rPr lang="de-DE" sz="2800" dirty="0" smtClean="0">
+              <a:rPr lang="de-DE" sz="2800" dirty="0">
                 <a:latin typeface="Courier New" panose="02070309020205020404" pitchFamily="49" charset="0"/>
                 <a:cs typeface="Courier New" panose="02070309020205020404" pitchFamily="49" charset="0"/>
               </a:rPr>
               <a:t>cmd.exe</a:t>
             </a:r>
             <a:r>
-              <a:rPr lang="de-DE" sz="2800" dirty="0" smtClean="0"/>
+              <a:rPr lang="de-DE" sz="2800" dirty="0"/>
               <a:t> auf und wechseln Sie in das Verzeichnis Ihres eigenen </a:t>
             </a:r>
             <a:r>
-              <a:rPr lang="de-DE" sz="2800" dirty="0" err="1" smtClean="0"/>
+              <a:rPr lang="de-DE" sz="2800" dirty="0" err="1"/>
               <a:t>Fork</a:t>
             </a:r>
             <a:r>
-              <a:rPr lang="de-DE" sz="2800" dirty="0" smtClean="0"/>
+              <a:rPr lang="de-DE" sz="2800" dirty="0"/>
               <a:t> von</a:t>
             </a:r>
           </a:p>
@@ -20839,25 +20732,13 @@
                 <a:tab pos="8686800" algn="l"/>
               </a:tabLst>
             </a:pPr>
-            <a:r>
-              <a:rPr lang="de-DE" sz="2400" dirty="0" smtClean="0">
-                <a:hlinkClick r:id="rId4"/>
-              </a:rPr>
-              <a:t>https</a:t>
-            </a:r>
             <a:r>
               <a:rPr lang="de-DE" sz="2400" dirty="0">
                 <a:hlinkClick r:id="rId4"/>
               </a:rPr>
-              <a:t>://</a:t>
-            </a:r>
-            <a:r>
-              <a:rPr lang="de-DE" sz="2400" dirty="0" smtClean="0">
-                <a:hlinkClick r:id="rId4"/>
-              </a:rPr>
-              <a:t>github.com/nordakademie-einfuehrung-java/uebung_1_1</a:t>
-            </a:r>
-            <a:endParaRPr lang="de-DE" sz="2400" dirty="0" smtClean="0"/>
+              <a:t>https://github.com/nordakademie-einfuehrung-java/uebung_1_1</a:t>
+            </a:r>
+            <a:endParaRPr lang="de-DE" sz="2400" dirty="0"/>
           </a:p>
           <a:p>
             <a:pPr marL="0" indent="0">
@@ -20904,7 +20785,7 @@
               </a:tabLst>
             </a:pPr>
             <a:r>
-              <a:rPr lang="de-DE" sz="2400" dirty="0" smtClean="0"/>
+              <a:rPr lang="de-DE" sz="2400" dirty="0"/>
               <a:t>Hier habe ich im Original kleine Änderungen vorgenommen!</a:t>
             </a:r>
           </a:p>
@@ -22435,11 +22316,7 @@
             </a:pPr>
             <a:r>
               <a:rPr lang="de-DE" sz="2800" dirty="0"/>
-              <a:t>Simulieren Sie 1000 Würfe mit 2 Würfeln. Addieren Sie die beiden Augenzahlen und geben Sie am Ende aus, wie oft welche Augenzahlsumme (2 bis 12) herauskam</a:t>
-            </a:r>
-            <a:r>
-              <a:rPr lang="de-DE" sz="2800" dirty="0" smtClean="0"/>
-              <a:t>.</a:t>
+              <a:t>Simulieren Sie 1000 Würfe mit 2 Würfeln. Addieren Sie die beiden Augenzahlen und geben Sie am Ende aus, wie oft welche Augenzahlsumme (2 bis 12) herauskam.</a:t>
             </a:r>
           </a:p>
           <a:p>
@@ -22466,7 +22343,7 @@
               </a:tabLst>
             </a:pPr>
             <a:r>
-              <a:rPr lang="de-DE" sz="2800" dirty="0" smtClean="0"/>
+              <a:rPr lang="de-DE" sz="2800" dirty="0"/>
               <a:t>Erweitern Sie danach das Programm auf 1000 Würfe mit 3 Würfeln (3 bis 18). </a:t>
             </a:r>
           </a:p>
@@ -22494,16 +22371,8 @@
               </a:tabLst>
             </a:pPr>
             <a:r>
-              <a:rPr lang="de-DE" sz="2800" dirty="0" smtClean="0"/>
-              <a:t>Ändern </a:t>
-            </a:r>
-            <a:r>
               <a:rPr lang="de-DE" sz="2800" dirty="0"/>
-              <a:t>Sie das Programm derartig, dass nun die Augenzahlen multipliziert werden. Geben Sie am Ende aus, wie oft welches Augenzahlprodukt (1 bis 216) herauskam. Geben Sie nichts aus, wenn die Häufigkeit 0 beträgt</a:t>
-            </a:r>
-            <a:r>
-              <a:rPr lang="de-DE" sz="2800" dirty="0" smtClean="0"/>
-              <a:t>.</a:t>
+              <a:t>Ändern Sie das Programm derartig, dass nun die Augenzahlen multipliziert werden. Geben Sie am Ende aus, wie oft welches Augenzahlprodukt (1 bis 216) herauskam. Geben Sie nichts aus, wenn die Häufigkeit 0 beträgt.</a:t>
             </a:r>
           </a:p>
           <a:p>
@@ -22527,7 +22396,7 @@
                 <a:tab pos="8686800" algn="l"/>
               </a:tabLst>
             </a:pPr>
-            <a:endParaRPr lang="de-DE" sz="2400" dirty="0" smtClean="0">
+            <a:endParaRPr lang="de-DE" sz="2400" dirty="0">
               <a:hlinkClick r:id="rId3"/>
             </a:endParaRPr>
           </a:p>
@@ -22552,23 +22421,11 @@
                 <a:tab pos="8686800" algn="l"/>
               </a:tabLst>
             </a:pPr>
-            <a:r>
-              <a:rPr lang="de-DE" sz="2400" dirty="0" smtClean="0">
-                <a:hlinkClick r:id="rId3"/>
-              </a:rPr>
-              <a:t>https</a:t>
-            </a:r>
             <a:r>
               <a:rPr lang="de-DE" sz="2400" dirty="0">
                 <a:hlinkClick r:id="rId3"/>
               </a:rPr>
-              <a:t>://</a:t>
-            </a:r>
-            <a:r>
-              <a:rPr lang="de-DE" sz="2400" dirty="0" smtClean="0">
-                <a:hlinkClick r:id="rId3"/>
-              </a:rPr>
-              <a:t>github.com/nordakademie-einfuehrung-java/uebung_5_1</a:t>
+              <a:t>https://github.com/nordakademie-einfuehrung-java/uebung_5_1</a:t>
             </a:r>
             <a:endParaRPr lang="de-DE" sz="2800" dirty="0"/>
           </a:p>
@@ -23468,11 +23325,7 @@
             </a:pPr>
             <a:r>
               <a:rPr lang="de-DE" sz="2800" dirty="0"/>
-              <a:t>Einträgen und messen Sie die Laufzeiten</a:t>
-            </a:r>
-            <a:r>
-              <a:rPr lang="de-DE" sz="2800" dirty="0" smtClean="0"/>
-              <a:t>.</a:t>
+              <a:t>Einträgen und messen Sie die Laufzeiten.</a:t>
             </a:r>
           </a:p>
           <a:p>
@@ -23521,13 +23374,7 @@
               <a:rPr lang="de-DE" sz="2400" dirty="0">
                 <a:hlinkClick r:id="rId3"/>
               </a:rPr>
-              <a:t>https://</a:t>
-            </a:r>
-            <a:r>
-              <a:rPr lang="de-DE" sz="2400" dirty="0" smtClean="0">
-                <a:hlinkClick r:id="rId3"/>
-              </a:rPr>
-              <a:t>github.com/nordakademie-einfuehrung-java/uebung_5_2</a:t>
+              <a:t>https://github.com/nordakademie-einfuehrung-java/uebung_5_2</a:t>
             </a:r>
             <a:endParaRPr lang="de-DE" sz="2400" dirty="0"/>
           </a:p>
@@ -24471,7 +24318,7 @@
               </a:tabLst>
             </a:pPr>
             <a:r>
-              <a:rPr lang="de-DE" sz="4000" dirty="0" smtClean="0">
+              <a:rPr lang="de-DE" sz="4000" dirty="0">
                 <a:solidFill>
                   <a:srgbClr val="FFFFFF"/>
                 </a:solidFill>
@@ -24479,7 +24326,7 @@
               <a:t>Eigene </a:t>
             </a:r>
             <a:r>
-              <a:rPr lang="de-DE" sz="4000" dirty="0" err="1" smtClean="0">
+              <a:rPr lang="de-DE" sz="4000" dirty="0" err="1">
                 <a:solidFill>
                   <a:srgbClr val="FFFFFF"/>
                 </a:solidFill>
@@ -24487,18 +24334,13 @@
               <a:t>Forks</a:t>
             </a:r>
             <a:r>
-              <a:rPr lang="de-DE" sz="4000" dirty="0" smtClean="0">
+              <a:rPr lang="de-DE" sz="4000" dirty="0">
                 <a:solidFill>
                   <a:srgbClr val="FFFFFF"/>
                 </a:solidFill>
               </a:rPr>
               <a:t> aktuell halten (2)</a:t>
             </a:r>
-            <a:endParaRPr lang="de-DE" sz="4000" dirty="0">
-              <a:solidFill>
-                <a:srgbClr val="FFFFFF"/>
-              </a:solidFill>
-            </a:endParaRPr>
           </a:p>
         </p:txBody>
       </p:sp>
@@ -24550,15 +24392,15 @@
               </a:tabLst>
             </a:pPr>
             <a:r>
-              <a:rPr lang="de-DE" sz="2800" dirty="0" smtClean="0"/>
+              <a:rPr lang="de-DE" sz="2800" dirty="0"/>
               <a:t>Aktualisieren Sie Ihre lokale Kopie mit Ihrem Stand vom </a:t>
             </a:r>
             <a:r>
-              <a:rPr lang="de-DE" sz="2800" dirty="0" err="1" smtClean="0"/>
+              <a:rPr lang="de-DE" sz="2800" dirty="0" err="1"/>
               <a:t>GitHub</a:t>
             </a:r>
             <a:r>
-              <a:rPr lang="de-DE" sz="2800" dirty="0" smtClean="0"/>
+              <a:rPr lang="de-DE" sz="2800" dirty="0"/>
               <a:t>-Server:</a:t>
             </a:r>
           </a:p>
@@ -24585,7 +24427,7 @@
                 <a:tab pos="8686800" algn="l"/>
               </a:tabLst>
             </a:pPr>
-            <a:endParaRPr lang="de-DE" sz="2800" dirty="0" smtClean="0"/>
+            <a:endParaRPr lang="de-DE" sz="2800" dirty="0"/>
           </a:p>
           <a:p>
             <a:pPr marL="269875" indent="-269875">
@@ -24611,40 +24453,40 @@
               </a:tabLst>
             </a:pPr>
             <a:r>
-              <a:rPr lang="de-DE" sz="2800" dirty="0" smtClean="0"/>
+              <a:rPr lang="de-DE" sz="2800" dirty="0"/>
               <a:t>Schauen Sie sich die „Remote“-Links an. Hier sollte bisher nur Ihre </a:t>
             </a:r>
             <a:r>
-              <a:rPr lang="de-DE" sz="2800" dirty="0" err="1" smtClean="0"/>
+              <a:rPr lang="de-DE" sz="2800" dirty="0" err="1"/>
               <a:t>Fork</a:t>
             </a:r>
             <a:r>
-              <a:rPr lang="de-DE" sz="2800" dirty="0" smtClean="0"/>
+              <a:rPr lang="de-DE" sz="2800" dirty="0"/>
               <a:t>-URL als </a:t>
             </a:r>
             <a:r>
-              <a:rPr lang="de-DE" sz="2800" dirty="0" err="1" smtClean="0">
+              <a:rPr lang="de-DE" sz="2800" dirty="0" err="1">
                 <a:latin typeface="Courier New" panose="02070309020205020404" pitchFamily="49" charset="0"/>
                 <a:cs typeface="Courier New" panose="02070309020205020404" pitchFamily="49" charset="0"/>
               </a:rPr>
               <a:t>origin</a:t>
             </a:r>
             <a:r>
-              <a:rPr lang="de-DE" sz="2800" dirty="0" smtClean="0">
+              <a:rPr lang="de-DE" sz="2800" dirty="0">
                 <a:latin typeface="Courier New" panose="02070309020205020404" pitchFamily="49" charset="0"/>
                 <a:cs typeface="Courier New" panose="02070309020205020404" pitchFamily="49" charset="0"/>
               </a:rPr>
               <a:t>/</a:t>
             </a:r>
             <a:r>
-              <a:rPr lang="de-DE" sz="2800" dirty="0" err="1" smtClean="0">
+              <a:rPr lang="de-DE" sz="2800" dirty="0" err="1">
                 <a:latin typeface="Courier New" panose="02070309020205020404" pitchFamily="49" charset="0"/>
                 <a:cs typeface="Courier New" panose="02070309020205020404" pitchFamily="49" charset="0"/>
               </a:rPr>
               <a:t>master</a:t>
             </a:r>
             <a:r>
-              <a:rPr lang="de-DE" sz="2800" dirty="0" smtClean="0"/>
+              <a:rPr lang="de-DE" sz="2800" dirty="0"/>
               <a:t> stehen:</a:t>
             </a:r>
           </a:p>
@@ -24696,7 +24538,7 @@
                 <a:tab pos="8686800" algn="l"/>
               </a:tabLst>
             </a:pPr>
-            <a:endParaRPr lang="de-DE" sz="2800" dirty="0" smtClean="0"/>
+            <a:endParaRPr lang="de-DE" sz="2800" dirty="0"/>
           </a:p>
           <a:p>
             <a:pPr marL="269875" indent="-269875">
@@ -24722,10 +24564,9 @@
               </a:tabLst>
             </a:pPr>
             <a:r>
-              <a:rPr lang="de-DE" sz="2800" dirty="0" smtClean="0"/>
+              <a:rPr lang="de-DE" sz="2800" dirty="0"/>
               <a:t>Richten Sie die Original-URL als neuen Remote ein, und prüfen Sie, ob es geklappt hat:</a:t>
             </a:r>
-            <a:endParaRPr lang="de-DE" sz="2800" dirty="0"/>
           </a:p>
           <a:p>
             <a:pPr marL="269875" indent="-269875">
@@ -24750,7 +24591,7 @@
                 <a:tab pos="8686800" algn="l"/>
               </a:tabLst>
             </a:pPr>
-            <a:endParaRPr lang="de-DE" sz="2400" dirty="0" smtClean="0"/>
+            <a:endParaRPr lang="de-DE" sz="2400" dirty="0"/>
           </a:p>
         </p:txBody>
       </p:sp>
@@ -25037,7 +24878,7 @@
               </a:tabLst>
             </a:pPr>
             <a:r>
-              <a:rPr lang="de-DE" sz="4000" dirty="0" smtClean="0">
+              <a:rPr lang="de-DE" sz="4000" dirty="0">
                 <a:solidFill>
                   <a:srgbClr val="FFFFFF"/>
                 </a:solidFill>
@@ -25045,7 +24886,7 @@
               <a:t>Eigene </a:t>
             </a:r>
             <a:r>
-              <a:rPr lang="de-DE" sz="4000" dirty="0" err="1" smtClean="0">
+              <a:rPr lang="de-DE" sz="4000" dirty="0" err="1">
                 <a:solidFill>
                   <a:srgbClr val="FFFFFF"/>
                 </a:solidFill>
@@ -25053,18 +24894,13 @@
               <a:t>Forks</a:t>
             </a:r>
             <a:r>
-              <a:rPr lang="de-DE" sz="4000" dirty="0" smtClean="0">
+              <a:rPr lang="de-DE" sz="4000" dirty="0">
                 <a:solidFill>
                   <a:srgbClr val="FFFFFF"/>
                 </a:solidFill>
               </a:rPr>
               <a:t> aktuell halten (3)</a:t>
             </a:r>
-            <a:endParaRPr lang="de-DE" sz="4000" dirty="0">
-              <a:solidFill>
-                <a:srgbClr val="FFFFFF"/>
-              </a:solidFill>
-            </a:endParaRPr>
           </a:p>
         </p:txBody>
       </p:sp>
@@ -25116,23 +24952,23 @@
               </a:tabLst>
             </a:pPr>
             <a:r>
-              <a:rPr lang="de-DE" sz="2800" dirty="0" smtClean="0"/>
+              <a:rPr lang="de-DE" sz="2800" dirty="0"/>
               <a:t>Holen (=„</a:t>
             </a:r>
             <a:r>
-              <a:rPr lang="de-DE" sz="2800" dirty="0" err="1" smtClean="0"/>
+              <a:rPr lang="de-DE" sz="2800" dirty="0" err="1"/>
               <a:t>Fetch</a:t>
             </a:r>
             <a:r>
-              <a:rPr lang="de-DE" sz="2800" dirty="0" smtClean="0"/>
+              <a:rPr lang="de-DE" sz="2800" dirty="0"/>
               <a:t>“) Sie sich den neuen </a:t>
             </a:r>
             <a:r>
-              <a:rPr lang="de-DE" sz="2800" dirty="0" err="1" smtClean="0"/>
+              <a:rPr lang="de-DE" sz="2800" dirty="0" err="1"/>
               <a:t>Upstream</a:t>
             </a:r>
             <a:r>
-              <a:rPr lang="de-DE" sz="2800" dirty="0" smtClean="0"/>
+              <a:rPr lang="de-DE" sz="2800" dirty="0"/>
               <a:t> lokal:</a:t>
             </a:r>
           </a:p>
@@ -25159,7 +24995,7 @@
                 <a:tab pos="8686800" algn="l"/>
               </a:tabLst>
             </a:pPr>
-            <a:endParaRPr lang="de-DE" sz="2800" dirty="0" smtClean="0"/>
+            <a:endParaRPr lang="de-DE" sz="2800" dirty="0"/>
           </a:p>
           <a:p>
             <a:pPr marL="269875" indent="-269875">
@@ -25184,7 +25020,7 @@
                 <a:tab pos="8686800" algn="l"/>
               </a:tabLst>
             </a:pPr>
-            <a:endParaRPr lang="de-DE" sz="2800" dirty="0" smtClean="0"/>
+            <a:endParaRPr lang="de-DE" sz="2800" dirty="0"/>
           </a:p>
           <a:p>
             <a:pPr marL="269875" indent="-269875">
@@ -25235,40 +25071,40 @@
               </a:tabLst>
             </a:pPr>
             <a:r>
-              <a:rPr lang="de-DE" sz="2800" dirty="0" smtClean="0"/>
+              <a:rPr lang="de-DE" sz="2800" dirty="0"/>
               <a:t>Jetzt verschmelzen (=„</a:t>
             </a:r>
             <a:r>
-              <a:rPr lang="de-DE" sz="2800" dirty="0" err="1" smtClean="0"/>
+              <a:rPr lang="de-DE" sz="2800" dirty="0" err="1"/>
               <a:t>Merge</a:t>
             </a:r>
             <a:r>
-              <a:rPr lang="de-DE" sz="2800" dirty="0" smtClean="0"/>
+              <a:rPr lang="de-DE" sz="2800" dirty="0"/>
               <a:t>“) wir Ihre Version mit dem </a:t>
             </a:r>
             <a:r>
-              <a:rPr lang="de-DE" sz="2800" dirty="0" err="1" smtClean="0">
+              <a:rPr lang="de-DE" sz="2800" dirty="0" err="1">
                 <a:latin typeface="Courier New" panose="02070309020205020404" pitchFamily="49" charset="0"/>
                 <a:cs typeface="Courier New" panose="02070309020205020404" pitchFamily="49" charset="0"/>
               </a:rPr>
               <a:t>upstream</a:t>
             </a:r>
             <a:r>
-              <a:rPr lang="de-DE" sz="2800" dirty="0" smtClean="0">
+              <a:rPr lang="de-DE" sz="2800" dirty="0">
                 <a:latin typeface="Courier New" panose="02070309020205020404" pitchFamily="49" charset="0"/>
                 <a:cs typeface="Courier New" panose="02070309020205020404" pitchFamily="49" charset="0"/>
               </a:rPr>
               <a:t>/</a:t>
             </a:r>
             <a:r>
-              <a:rPr lang="de-DE" sz="2800" dirty="0" err="1" smtClean="0">
+              <a:rPr lang="de-DE" sz="2800" dirty="0" err="1">
                 <a:latin typeface="Courier New" panose="02070309020205020404" pitchFamily="49" charset="0"/>
                 <a:cs typeface="Courier New" panose="02070309020205020404" pitchFamily="49" charset="0"/>
               </a:rPr>
               <a:t>master</a:t>
             </a:r>
             <a:r>
-              <a:rPr lang="de-DE" sz="2800" dirty="0" smtClean="0"/>
+              <a:rPr lang="de-DE" sz="2800" dirty="0"/>
               <a:t>, was ohne Konflikte klappen sollte:</a:t>
             </a:r>
           </a:p>
@@ -25320,7 +25156,7 @@
                 <a:tab pos="8686800" algn="l"/>
               </a:tabLst>
             </a:pPr>
-            <a:endParaRPr lang="de-DE" sz="2800" dirty="0" smtClean="0"/>
+            <a:endParaRPr lang="de-DE" sz="2800" dirty="0"/>
           </a:p>
           <a:p>
             <a:pPr marL="269875" indent="-269875">
@@ -25345,7 +25181,7 @@
                 <a:tab pos="8686800" algn="l"/>
               </a:tabLst>
             </a:pPr>
-            <a:endParaRPr lang="de-DE" sz="2800" dirty="0" smtClean="0"/>
+            <a:endParaRPr lang="de-DE" sz="2800" dirty="0"/>
           </a:p>
           <a:p>
             <a:pPr marL="269875" indent="-269875">
@@ -25371,36 +25207,35 @@
               </a:tabLst>
             </a:pPr>
             <a:r>
-              <a:rPr lang="de-DE" sz="2800" dirty="0" smtClean="0"/>
+              <a:rPr lang="de-DE" sz="2800" dirty="0"/>
               <a:t>Zum Schluss schieben (=„Push“) Sie noch die aktualisierte Version in Ihren </a:t>
             </a:r>
             <a:r>
-              <a:rPr lang="de-DE" sz="2800" dirty="0" err="1" smtClean="0"/>
+              <a:rPr lang="de-DE" sz="2800" dirty="0" err="1"/>
               <a:t>GitHub-Fork</a:t>
             </a:r>
             <a:r>
-              <a:rPr lang="de-DE" sz="2800" dirty="0" smtClean="0"/>
+              <a:rPr lang="de-DE" sz="2800" dirty="0"/>
               <a:t> zurück mittels </a:t>
             </a:r>
             <a:r>
-              <a:rPr lang="de-DE" sz="2800" dirty="0" err="1" smtClean="0">
+              <a:rPr lang="de-DE" sz="2800" dirty="0" err="1">
                 <a:latin typeface="Courier New" panose="02070309020205020404" pitchFamily="49" charset="0"/>
                 <a:cs typeface="Courier New" panose="02070309020205020404" pitchFamily="49" charset="0"/>
               </a:rPr>
               <a:t>git</a:t>
             </a:r>
             <a:r>
-              <a:rPr lang="de-DE" sz="2800" dirty="0" smtClean="0">
+              <a:rPr lang="de-DE" sz="2800" dirty="0">
                 <a:latin typeface="Courier New" panose="02070309020205020404" pitchFamily="49" charset="0"/>
                 <a:cs typeface="Courier New" panose="02070309020205020404" pitchFamily="49" charset="0"/>
               </a:rPr>
               <a:t> push</a:t>
             </a:r>
             <a:r>
-              <a:rPr lang="de-DE" sz="2800" dirty="0" smtClean="0"/>
+              <a:rPr lang="de-DE" sz="2800" dirty="0"/>
               <a:t>!</a:t>
             </a:r>
-            <a:endParaRPr lang="de-DE" sz="2800" dirty="0"/>
           </a:p>
         </p:txBody>
       </p:sp>

--- a/folien/Semester_03_Termin_06_Kapitel05.pptx
+++ b/folien/Semester_03_Termin_06_Kapitel05.pptx
@@ -240,6 +240,10 @@
     </p:ext>
   </p:extLst>
 </p:presentation>
+</file>
+
+<file path=ppt/revisionInfo.xml><?xml version="1.0" encoding="utf-8"?>
+<p1510:revInfo xmlns:a="http://schemas.openxmlformats.org/drawingml/2006/main" xmlns:r="http://schemas.openxmlformats.org/officeDocument/2006/relationships" xmlns:p1510="http://schemas.microsoft.com/office/powerpoint/2015/10/main"/>
 </file>
 
 <file path=ppt/notesMasters/notesMaster1.xml><?xml version="1.0" encoding="utf-8"?>
@@ -9024,6 +9028,476 @@
           </a:p>
         </p:txBody>
       </p:sp>
+      <p:pic>
+        <p:nvPicPr>
+          <p:cNvPr id="7" name="Picture 2" descr="Game Die on Apple iOS 11.1">
+            <a:extLst>
+              <a:ext uri="{FF2B5EF4-FFF2-40B4-BE49-F238E27FC236}">
+                <a16:creationId xmlns:a16="http://schemas.microsoft.com/office/drawing/2014/main" id="{99429A09-FAB0-4B10-A304-EA5623B689B4}"/>
+              </a:ext>
+            </a:extLst>
+          </p:cNvPr>
+          <p:cNvPicPr>
+            <a:picLocks noChangeAspect="1" noChangeArrowheads="1"/>
+          </p:cNvPicPr>
+          <p:nvPr/>
+        </p:nvPicPr>
+        <p:blipFill>
+          <a:blip r:embed="rId3" cstate="print">
+            <a:extLst>
+              <a:ext uri="{28A0092B-C50C-407E-A947-70E740481C1C}">
+                <a14:useLocalDpi xmlns:a14="http://schemas.microsoft.com/office/drawing/2010/main" val="0"/>
+              </a:ext>
+            </a:extLst>
+          </a:blip>
+          <a:srcRect/>
+          <a:stretch>
+            <a:fillRect/>
+          </a:stretch>
+        </p:blipFill>
+        <p:spPr bwMode="auto">
+          <a:xfrm>
+            <a:off x="4536256" y="4151312"/>
+            <a:ext cx="420613" cy="420613"/>
+          </a:xfrm>
+          <a:prstGeom prst="rect">
+            <a:avLst/>
+          </a:prstGeom>
+          <a:noFill/>
+          <a:extLst>
+            <a:ext uri="{909E8E84-426E-40DD-AFC4-6F175D3DCCD1}">
+              <a14:hiddenFill xmlns:a14="http://schemas.microsoft.com/office/drawing/2010/main">
+                <a:solidFill>
+                  <a:srgbClr val="FFFFFF"/>
+                </a:solidFill>
+              </a14:hiddenFill>
+            </a:ext>
+          </a:extLst>
+        </p:spPr>
+      </p:pic>
+      <p:pic>
+        <p:nvPicPr>
+          <p:cNvPr id="8" name="Picture 2" descr="Game Die on Apple iOS 11.1">
+            <a:extLst>
+              <a:ext uri="{FF2B5EF4-FFF2-40B4-BE49-F238E27FC236}">
+                <a16:creationId xmlns:a16="http://schemas.microsoft.com/office/drawing/2014/main" id="{7DEC34D4-0599-4A13-8C43-11C10740B754}"/>
+              </a:ext>
+            </a:extLst>
+          </p:cNvPr>
+          <p:cNvPicPr>
+            <a:picLocks noChangeAspect="1" noChangeArrowheads="1"/>
+          </p:cNvPicPr>
+          <p:nvPr/>
+        </p:nvPicPr>
+        <p:blipFill>
+          <a:blip r:embed="rId3" cstate="print">
+            <a:extLst>
+              <a:ext uri="{28A0092B-C50C-407E-A947-70E740481C1C}">
+                <a14:useLocalDpi xmlns:a14="http://schemas.microsoft.com/office/drawing/2010/main" val="0"/>
+              </a:ext>
+            </a:extLst>
+          </a:blip>
+          <a:srcRect/>
+          <a:stretch>
+            <a:fillRect/>
+          </a:stretch>
+        </p:blipFill>
+        <p:spPr bwMode="auto">
+          <a:xfrm>
+            <a:off x="5000730" y="4151312"/>
+            <a:ext cx="420613" cy="420613"/>
+          </a:xfrm>
+          <a:prstGeom prst="rect">
+            <a:avLst/>
+          </a:prstGeom>
+          <a:noFill/>
+          <a:extLst>
+            <a:ext uri="{909E8E84-426E-40DD-AFC4-6F175D3DCCD1}">
+              <a14:hiddenFill xmlns:a14="http://schemas.microsoft.com/office/drawing/2010/main">
+                <a:solidFill>
+                  <a:srgbClr val="FFFFFF"/>
+                </a:solidFill>
+              </a14:hiddenFill>
+            </a:ext>
+          </a:extLst>
+        </p:spPr>
+      </p:pic>
+      <p:pic>
+        <p:nvPicPr>
+          <p:cNvPr id="9" name="Picture 2" descr="Game Die on Apple iOS 11.1">
+            <a:extLst>
+              <a:ext uri="{FF2B5EF4-FFF2-40B4-BE49-F238E27FC236}">
+                <a16:creationId xmlns:a16="http://schemas.microsoft.com/office/drawing/2014/main" id="{4D423EBE-8450-49BC-9A5A-B4FBD7E1575A}"/>
+              </a:ext>
+            </a:extLst>
+          </p:cNvPr>
+          <p:cNvPicPr>
+            <a:picLocks noChangeAspect="1" noChangeArrowheads="1"/>
+          </p:cNvPicPr>
+          <p:nvPr/>
+        </p:nvPicPr>
+        <p:blipFill>
+          <a:blip r:embed="rId3" cstate="print">
+            <a:extLst>
+              <a:ext uri="{28A0092B-C50C-407E-A947-70E740481C1C}">
+                <a14:useLocalDpi xmlns:a14="http://schemas.microsoft.com/office/drawing/2010/main" val="0"/>
+              </a:ext>
+            </a:extLst>
+          </a:blip>
+          <a:srcRect/>
+          <a:stretch>
+            <a:fillRect/>
+          </a:stretch>
+        </p:blipFill>
+        <p:spPr bwMode="auto">
+          <a:xfrm>
+            <a:off x="5454604" y="4151312"/>
+            <a:ext cx="420613" cy="420613"/>
+          </a:xfrm>
+          <a:prstGeom prst="rect">
+            <a:avLst/>
+          </a:prstGeom>
+          <a:noFill/>
+          <a:extLst>
+            <a:ext uri="{909E8E84-426E-40DD-AFC4-6F175D3DCCD1}">
+              <a14:hiddenFill xmlns:a14="http://schemas.microsoft.com/office/drawing/2010/main">
+                <a:solidFill>
+                  <a:srgbClr val="FFFFFF"/>
+                </a:solidFill>
+              </a14:hiddenFill>
+            </a:ext>
+          </a:extLst>
+        </p:spPr>
+      </p:pic>
+      <p:pic>
+        <p:nvPicPr>
+          <p:cNvPr id="10" name="Picture 2" descr="Game Die on Apple iOS 11.1">
+            <a:extLst>
+              <a:ext uri="{FF2B5EF4-FFF2-40B4-BE49-F238E27FC236}">
+                <a16:creationId xmlns:a16="http://schemas.microsoft.com/office/drawing/2014/main" id="{23755048-1112-4318-AF55-488D3B899703}"/>
+              </a:ext>
+            </a:extLst>
+          </p:cNvPr>
+          <p:cNvPicPr>
+            <a:picLocks noChangeAspect="1" noChangeArrowheads="1"/>
+          </p:cNvPicPr>
+          <p:nvPr/>
+        </p:nvPicPr>
+        <p:blipFill>
+          <a:blip r:embed="rId3" cstate="print">
+            <a:extLst>
+              <a:ext uri="{28A0092B-C50C-407E-A947-70E740481C1C}">
+                <a14:useLocalDpi xmlns:a14="http://schemas.microsoft.com/office/drawing/2010/main" val="0"/>
+              </a:ext>
+            </a:extLst>
+          </a:blip>
+          <a:srcRect/>
+          <a:stretch>
+            <a:fillRect/>
+          </a:stretch>
+        </p:blipFill>
+        <p:spPr bwMode="auto">
+          <a:xfrm>
+            <a:off x="5886652" y="4151312"/>
+            <a:ext cx="420613" cy="420613"/>
+          </a:xfrm>
+          <a:prstGeom prst="rect">
+            <a:avLst/>
+          </a:prstGeom>
+          <a:noFill/>
+          <a:extLst>
+            <a:ext uri="{909E8E84-426E-40DD-AFC4-6F175D3DCCD1}">
+              <a14:hiddenFill xmlns:a14="http://schemas.microsoft.com/office/drawing/2010/main">
+                <a:solidFill>
+                  <a:srgbClr val="FFFFFF"/>
+                </a:solidFill>
+              </a14:hiddenFill>
+            </a:ext>
+          </a:extLst>
+        </p:spPr>
+      </p:pic>
+      <p:pic>
+        <p:nvPicPr>
+          <p:cNvPr id="11" name="Picture 2" descr="Game Die on Apple iOS 11.1">
+            <a:extLst>
+              <a:ext uri="{FF2B5EF4-FFF2-40B4-BE49-F238E27FC236}">
+                <a16:creationId xmlns:a16="http://schemas.microsoft.com/office/drawing/2014/main" id="{EA7F039E-E990-42ED-977A-52218D873535}"/>
+              </a:ext>
+            </a:extLst>
+          </p:cNvPr>
+          <p:cNvPicPr>
+            <a:picLocks noChangeAspect="1" noChangeArrowheads="1"/>
+          </p:cNvPicPr>
+          <p:nvPr/>
+        </p:nvPicPr>
+        <p:blipFill>
+          <a:blip r:embed="rId3" cstate="print">
+            <a:extLst>
+              <a:ext uri="{28A0092B-C50C-407E-A947-70E740481C1C}">
+                <a14:useLocalDpi xmlns:a14="http://schemas.microsoft.com/office/drawing/2010/main" val="0"/>
+              </a:ext>
+            </a:extLst>
+          </a:blip>
+          <a:srcRect/>
+          <a:stretch>
+            <a:fillRect/>
+          </a:stretch>
+        </p:blipFill>
+        <p:spPr bwMode="auto">
+          <a:xfrm>
+            <a:off x="6338156" y="4139877"/>
+            <a:ext cx="420613" cy="420613"/>
+          </a:xfrm>
+          <a:prstGeom prst="rect">
+            <a:avLst/>
+          </a:prstGeom>
+          <a:noFill/>
+          <a:extLst>
+            <a:ext uri="{909E8E84-426E-40DD-AFC4-6F175D3DCCD1}">
+              <a14:hiddenFill xmlns:a14="http://schemas.microsoft.com/office/drawing/2010/main">
+                <a:solidFill>
+                  <a:srgbClr val="FFFFFF"/>
+                </a:solidFill>
+              </a14:hiddenFill>
+            </a:ext>
+          </a:extLst>
+        </p:spPr>
+      </p:pic>
+      <p:pic>
+        <p:nvPicPr>
+          <p:cNvPr id="12" name="Picture 2" descr="Game Die on Apple iOS 11.1">
+            <a:extLst>
+              <a:ext uri="{FF2B5EF4-FFF2-40B4-BE49-F238E27FC236}">
+                <a16:creationId xmlns:a16="http://schemas.microsoft.com/office/drawing/2014/main" id="{BE1D1521-569D-491D-A28A-9CA86C1F9F95}"/>
+              </a:ext>
+            </a:extLst>
+          </p:cNvPr>
+          <p:cNvPicPr>
+            <a:picLocks noChangeAspect="1" noChangeArrowheads="1"/>
+          </p:cNvPicPr>
+          <p:nvPr/>
+        </p:nvPicPr>
+        <p:blipFill>
+          <a:blip r:embed="rId3" cstate="print">
+            <a:extLst>
+              <a:ext uri="{28A0092B-C50C-407E-A947-70E740481C1C}">
+                <a14:useLocalDpi xmlns:a14="http://schemas.microsoft.com/office/drawing/2010/main" val="0"/>
+              </a:ext>
+            </a:extLst>
+          </a:blip>
+          <a:srcRect/>
+          <a:stretch>
+            <a:fillRect/>
+          </a:stretch>
+        </p:blipFill>
+        <p:spPr bwMode="auto">
+          <a:xfrm>
+            <a:off x="6779573" y="4139877"/>
+            <a:ext cx="420613" cy="420613"/>
+          </a:xfrm>
+          <a:prstGeom prst="rect">
+            <a:avLst/>
+          </a:prstGeom>
+          <a:noFill/>
+          <a:extLst>
+            <a:ext uri="{909E8E84-426E-40DD-AFC4-6F175D3DCCD1}">
+              <a14:hiddenFill xmlns:a14="http://schemas.microsoft.com/office/drawing/2010/main">
+                <a:solidFill>
+                  <a:srgbClr val="FFFFFF"/>
+                </a:solidFill>
+              </a14:hiddenFill>
+            </a:ext>
+          </a:extLst>
+        </p:spPr>
+      </p:pic>
+      <p:pic>
+        <p:nvPicPr>
+          <p:cNvPr id="13" name="Picture 2" descr="Game Die on Apple iOS 11.1">
+            <a:extLst>
+              <a:ext uri="{FF2B5EF4-FFF2-40B4-BE49-F238E27FC236}">
+                <a16:creationId xmlns:a16="http://schemas.microsoft.com/office/drawing/2014/main" id="{F5C265D1-4A16-43FC-83FB-877954797510}"/>
+              </a:ext>
+            </a:extLst>
+          </p:cNvPr>
+          <p:cNvPicPr>
+            <a:picLocks noChangeAspect="1" noChangeArrowheads="1"/>
+          </p:cNvPicPr>
+          <p:nvPr/>
+        </p:nvPicPr>
+        <p:blipFill>
+          <a:blip r:embed="rId3" cstate="print">
+            <a:extLst>
+              <a:ext uri="{28A0092B-C50C-407E-A947-70E740481C1C}">
+                <a14:useLocalDpi xmlns:a14="http://schemas.microsoft.com/office/drawing/2010/main" val="0"/>
+              </a:ext>
+            </a:extLst>
+          </a:blip>
+          <a:srcRect/>
+          <a:stretch>
+            <a:fillRect/>
+          </a:stretch>
+        </p:blipFill>
+        <p:spPr bwMode="auto">
+          <a:xfrm>
+            <a:off x="7254804" y="4139877"/>
+            <a:ext cx="420613" cy="420613"/>
+          </a:xfrm>
+          <a:prstGeom prst="rect">
+            <a:avLst/>
+          </a:prstGeom>
+          <a:noFill/>
+          <a:extLst>
+            <a:ext uri="{909E8E84-426E-40DD-AFC4-6F175D3DCCD1}">
+              <a14:hiddenFill xmlns:a14="http://schemas.microsoft.com/office/drawing/2010/main">
+                <a:solidFill>
+                  <a:srgbClr val="FFFFFF"/>
+                </a:solidFill>
+              </a14:hiddenFill>
+            </a:ext>
+          </a:extLst>
+        </p:spPr>
+      </p:pic>
+      <p:pic>
+        <p:nvPicPr>
+          <p:cNvPr id="14" name="Picture 2" descr="Game Die on Apple iOS 11.1">
+            <a:extLst>
+              <a:ext uri="{FF2B5EF4-FFF2-40B4-BE49-F238E27FC236}">
+                <a16:creationId xmlns:a16="http://schemas.microsoft.com/office/drawing/2014/main" id="{EB4364AF-1E8F-4DFB-9D26-1B8B1BD12278}"/>
+              </a:ext>
+            </a:extLst>
+          </p:cNvPr>
+          <p:cNvPicPr>
+            <a:picLocks noChangeAspect="1" noChangeArrowheads="1"/>
+          </p:cNvPicPr>
+          <p:nvPr/>
+        </p:nvPicPr>
+        <p:blipFill>
+          <a:blip r:embed="rId3" cstate="print">
+            <a:extLst>
+              <a:ext uri="{28A0092B-C50C-407E-A947-70E740481C1C}">
+                <a14:useLocalDpi xmlns:a14="http://schemas.microsoft.com/office/drawing/2010/main" val="0"/>
+              </a:ext>
+            </a:extLst>
+          </a:blip>
+          <a:srcRect/>
+          <a:stretch>
+            <a:fillRect/>
+          </a:stretch>
+        </p:blipFill>
+        <p:spPr bwMode="auto">
+          <a:xfrm>
+            <a:off x="7686852" y="4139877"/>
+            <a:ext cx="420613" cy="420613"/>
+          </a:xfrm>
+          <a:prstGeom prst="rect">
+            <a:avLst/>
+          </a:prstGeom>
+          <a:noFill/>
+          <a:extLst>
+            <a:ext uri="{909E8E84-426E-40DD-AFC4-6F175D3DCCD1}">
+              <a14:hiddenFill xmlns:a14="http://schemas.microsoft.com/office/drawing/2010/main">
+                <a:solidFill>
+                  <a:srgbClr val="FFFFFF"/>
+                </a:solidFill>
+              </a14:hiddenFill>
+            </a:ext>
+          </a:extLst>
+        </p:spPr>
+      </p:pic>
+      <p:pic>
+        <p:nvPicPr>
+          <p:cNvPr id="15" name="Picture 2" descr="Game Die on Apple iOS 11.1">
+            <a:extLst>
+              <a:ext uri="{FF2B5EF4-FFF2-40B4-BE49-F238E27FC236}">
+                <a16:creationId xmlns:a16="http://schemas.microsoft.com/office/drawing/2014/main" id="{9D1871CD-95A1-4550-AE8B-7D04E0953A06}"/>
+              </a:ext>
+            </a:extLst>
+          </p:cNvPr>
+          <p:cNvPicPr>
+            <a:picLocks noChangeAspect="1" noChangeArrowheads="1"/>
+          </p:cNvPicPr>
+          <p:nvPr/>
+        </p:nvPicPr>
+        <p:blipFill>
+          <a:blip r:embed="rId3" cstate="print">
+            <a:extLst>
+              <a:ext uri="{28A0092B-C50C-407E-A947-70E740481C1C}">
+                <a14:useLocalDpi xmlns:a14="http://schemas.microsoft.com/office/drawing/2010/main" val="0"/>
+              </a:ext>
+            </a:extLst>
+          </a:blip>
+          <a:srcRect/>
+          <a:stretch>
+            <a:fillRect/>
+          </a:stretch>
+        </p:blipFill>
+        <p:spPr bwMode="auto">
+          <a:xfrm>
+            <a:off x="8622956" y="4139877"/>
+            <a:ext cx="420613" cy="420613"/>
+          </a:xfrm>
+          <a:prstGeom prst="rect">
+            <a:avLst/>
+          </a:prstGeom>
+          <a:noFill/>
+          <a:extLst>
+            <a:ext uri="{909E8E84-426E-40DD-AFC4-6F175D3DCCD1}">
+              <a14:hiddenFill xmlns:a14="http://schemas.microsoft.com/office/drawing/2010/main">
+                <a:solidFill>
+                  <a:srgbClr val="FFFFFF"/>
+                </a:solidFill>
+              </a14:hiddenFill>
+            </a:ext>
+          </a:extLst>
+        </p:spPr>
+      </p:pic>
+      <p:pic>
+        <p:nvPicPr>
+          <p:cNvPr id="16" name="Picture 2" descr="Game Die on Apple iOS 11.1">
+            <a:extLst>
+              <a:ext uri="{FF2B5EF4-FFF2-40B4-BE49-F238E27FC236}">
+                <a16:creationId xmlns:a16="http://schemas.microsoft.com/office/drawing/2014/main" id="{C0042A18-A347-4ACC-AE0C-2F3A6BF85551}"/>
+              </a:ext>
+            </a:extLst>
+          </p:cNvPr>
+          <p:cNvPicPr>
+            <a:picLocks noChangeAspect="1" noChangeArrowheads="1"/>
+          </p:cNvPicPr>
+          <p:nvPr/>
+        </p:nvPicPr>
+        <p:blipFill>
+          <a:blip r:embed="rId3" cstate="print">
+            <a:extLst>
+              <a:ext uri="{28A0092B-C50C-407E-A947-70E740481C1C}">
+                <a14:useLocalDpi xmlns:a14="http://schemas.microsoft.com/office/drawing/2010/main" val="0"/>
+              </a:ext>
+            </a:extLst>
+          </a:blip>
+          <a:srcRect/>
+          <a:stretch>
+            <a:fillRect/>
+          </a:stretch>
+        </p:blipFill>
+        <p:spPr bwMode="auto">
+          <a:xfrm>
+            <a:off x="8156985" y="4139877"/>
+            <a:ext cx="420613" cy="420613"/>
+          </a:xfrm>
+          <a:prstGeom prst="rect">
+            <a:avLst/>
+          </a:prstGeom>
+          <a:noFill/>
+          <a:extLst>
+            <a:ext uri="{909E8E84-426E-40DD-AFC4-6F175D3DCCD1}">
+              <a14:hiddenFill xmlns:a14="http://schemas.microsoft.com/office/drawing/2010/main">
+                <a:solidFill>
+                  <a:srgbClr val="FFFFFF"/>
+                </a:solidFill>
+              </a14:hiddenFill>
+            </a:ext>
+          </a:extLst>
+        </p:spPr>
+      </p:pic>
     </p:spTree>
   </p:cSld>
   <p:clrMapOvr>
@@ -25306,6 +25780,53 @@
           </a:p>
         </p:txBody>
       </p:sp>
+      <p:pic>
+        <p:nvPicPr>
+          <p:cNvPr id="1026" name="Picture 2" descr="Game Die on Apple iOS 11.1">
+            <a:extLst>
+              <a:ext uri="{FF2B5EF4-FFF2-40B4-BE49-F238E27FC236}">
+                <a16:creationId xmlns:a16="http://schemas.microsoft.com/office/drawing/2014/main" id="{5B58C3EE-CC7C-4597-8C92-CDDDFC05A069}"/>
+              </a:ext>
+            </a:extLst>
+          </p:cNvPr>
+          <p:cNvPicPr>
+            <a:picLocks noChangeAspect="1" noChangeArrowheads="1"/>
+          </p:cNvPicPr>
+          <p:nvPr/>
+        </p:nvPicPr>
+        <p:blipFill>
+          <a:blip r:embed="rId4">
+            <a:extLst>
+              <a:ext uri="{28A0092B-C50C-407E-A947-70E740481C1C}">
+                <a14:useLocalDpi xmlns:a14="http://schemas.microsoft.com/office/drawing/2010/main" val="0"/>
+              </a:ext>
+            </a:extLst>
+          </a:blip>
+          <a:srcRect/>
+          <a:stretch>
+            <a:fillRect/>
+          </a:stretch>
+        </p:blipFill>
+        <p:spPr bwMode="auto">
+          <a:xfrm>
+            <a:off x="8640712" y="2380771"/>
+            <a:ext cx="1143000" cy="1143000"/>
+          </a:xfrm>
+          <a:prstGeom prst="rect">
+            <a:avLst/>
+          </a:prstGeom>
+          <a:noFill/>
+          <a:extLst>
+            <a:ext uri="{909E8E84-426E-40DD-AFC4-6F175D3DCCD1}">
+              <a14:hiddenFill xmlns:a14="http://schemas.microsoft.com/office/drawing/2010/main">
+                <a:solidFill>
+                  <a:srgbClr val="FFFFFF"/>
+                </a:solidFill>
+              </a14:hiddenFill>
+            </a:ext>
+          </a:extLst>
+        </p:spPr>
+      </p:pic>
     </p:spTree>
   </p:cSld>
   <p:clrMapOvr>
